--- a/Future presentation update.pptx
+++ b/Future presentation update.pptx
@@ -5,7 +5,7 @@
     <p:sldMasterId id="2147483648" r:id="rId1"/>
   </p:sldMasterIdLst>
   <p:notesMasterIdLst>
-    <p:notesMasterId r:id="rId22"/>
+    <p:notesMasterId r:id="rId24"/>
   </p:notesMasterIdLst>
   <p:sldIdLst>
     <p:sldId id="275" r:id="rId2"/>
@@ -28,6 +28,8 @@
     <p:sldId id="284" r:id="rId19"/>
     <p:sldId id="281" r:id="rId20"/>
     <p:sldId id="282" r:id="rId21"/>
+    <p:sldId id="285" r:id="rId22"/>
+    <p:sldId id="286" r:id="rId23"/>
   </p:sldIdLst>
   <p:sldSz cx="12192000" cy="6858000"/>
   <p:notesSz cx="6858000" cy="9144000"/>
@@ -985,6 +987,174 @@
     <p:extLst>
       <p:ext uri="{BB962C8B-B14F-4D97-AF65-F5344CB8AC3E}">
         <p14:creationId xmlns:p14="http://schemas.microsoft.com/office/powerpoint/2010/main" val="2873271718"/>
+      </p:ext>
+    </p:extLst>
+  </p:cSld>
+  <p:clrMapOvr>
+    <a:masterClrMapping/>
+  </p:clrMapOvr>
+</p:notes>
+</file>
+
+<file path=ppt/notesSlides/notesSlide6.xml><?xml version="1.0" encoding="utf-8"?>
+<p:notes xmlns:a="http://schemas.openxmlformats.org/drawingml/2006/main" xmlns:r="http://schemas.openxmlformats.org/officeDocument/2006/relationships" xmlns:p="http://schemas.openxmlformats.org/presentationml/2006/main">
+  <p:cSld>
+    <p:spTree>
+      <p:nvGrpSpPr>
+        <p:cNvPr id="1" name=""/>
+        <p:cNvGrpSpPr/>
+        <p:nvPr/>
+      </p:nvGrpSpPr>
+      <p:grpSpPr>
+        <a:xfrm>
+          <a:off x="0" y="0"/>
+          <a:ext cx="0" cy="0"/>
+          <a:chOff x="0" y="0"/>
+          <a:chExt cx="0" cy="0"/>
+        </a:xfrm>
+      </p:grpSpPr>
+      <p:sp>
+        <p:nvSpPr>
+          <p:cNvPr id="2" name="Slide Image Placeholder 1"/>
+          <p:cNvSpPr>
+            <a:spLocks noGrp="1" noRot="1" noChangeAspect="1"/>
+          </p:cNvSpPr>
+          <p:nvPr>
+            <p:ph type="sldImg"/>
+          </p:nvPr>
+        </p:nvSpPr>
+        <p:spPr/>
+      </p:sp>
+      <p:sp>
+        <p:nvSpPr>
+          <p:cNvPr id="3" name="Notes Placeholder 2"/>
+          <p:cNvSpPr>
+            <a:spLocks noGrp="1"/>
+          </p:cNvSpPr>
+          <p:nvPr>
+            <p:ph type="body" idx="1"/>
+          </p:nvPr>
+        </p:nvSpPr>
+        <p:spPr/>
+        <p:txBody>
+          <a:bodyPr/>
+          <a:lstStyle/>
+          <a:p>
+            <a:endParaRPr lang="en-US" dirty="0"/>
+          </a:p>
+        </p:txBody>
+      </p:sp>
+      <p:sp>
+        <p:nvSpPr>
+          <p:cNvPr id="4" name="Slide Number Placeholder 3"/>
+          <p:cNvSpPr>
+            <a:spLocks noGrp="1"/>
+          </p:cNvSpPr>
+          <p:nvPr>
+            <p:ph type="sldNum" sz="quarter" idx="5"/>
+          </p:nvPr>
+        </p:nvSpPr>
+        <p:spPr/>
+        <p:txBody>
+          <a:bodyPr/>
+          <a:lstStyle/>
+          <a:p>
+            <a:fld id="{1FFC93A7-B1F3-454A-A230-F9074DA5B0F9}" type="slidenum">
+              <a:rPr lang="en-US" smtClean="0"/>
+              <a:t>21</a:t>
+            </a:fld>
+            <a:endParaRPr lang="en-US"/>
+          </a:p>
+        </p:txBody>
+      </p:sp>
+    </p:spTree>
+    <p:extLst>
+      <p:ext uri="{BB962C8B-B14F-4D97-AF65-F5344CB8AC3E}">
+        <p14:creationId xmlns:p14="http://schemas.microsoft.com/office/powerpoint/2010/main" val="1326084250"/>
+      </p:ext>
+    </p:extLst>
+  </p:cSld>
+  <p:clrMapOvr>
+    <a:masterClrMapping/>
+  </p:clrMapOvr>
+</p:notes>
+</file>
+
+<file path=ppt/notesSlides/notesSlide7.xml><?xml version="1.0" encoding="utf-8"?>
+<p:notes xmlns:a="http://schemas.openxmlformats.org/drawingml/2006/main" xmlns:r="http://schemas.openxmlformats.org/officeDocument/2006/relationships" xmlns:p="http://schemas.openxmlformats.org/presentationml/2006/main">
+  <p:cSld>
+    <p:spTree>
+      <p:nvGrpSpPr>
+        <p:cNvPr id="1" name=""/>
+        <p:cNvGrpSpPr/>
+        <p:nvPr/>
+      </p:nvGrpSpPr>
+      <p:grpSpPr>
+        <a:xfrm>
+          <a:off x="0" y="0"/>
+          <a:ext cx="0" cy="0"/>
+          <a:chOff x="0" y="0"/>
+          <a:chExt cx="0" cy="0"/>
+        </a:xfrm>
+      </p:grpSpPr>
+      <p:sp>
+        <p:nvSpPr>
+          <p:cNvPr id="2" name="Slide Image Placeholder 1"/>
+          <p:cNvSpPr>
+            <a:spLocks noGrp="1" noRot="1" noChangeAspect="1"/>
+          </p:cNvSpPr>
+          <p:nvPr>
+            <p:ph type="sldImg"/>
+          </p:nvPr>
+        </p:nvSpPr>
+        <p:spPr/>
+      </p:sp>
+      <p:sp>
+        <p:nvSpPr>
+          <p:cNvPr id="3" name="Notes Placeholder 2"/>
+          <p:cNvSpPr>
+            <a:spLocks noGrp="1"/>
+          </p:cNvSpPr>
+          <p:nvPr>
+            <p:ph type="body" idx="1"/>
+          </p:nvPr>
+        </p:nvSpPr>
+        <p:spPr/>
+        <p:txBody>
+          <a:bodyPr/>
+          <a:lstStyle/>
+          <a:p>
+            <a:endParaRPr lang="en-US" dirty="0"/>
+          </a:p>
+        </p:txBody>
+      </p:sp>
+      <p:sp>
+        <p:nvSpPr>
+          <p:cNvPr id="4" name="Slide Number Placeholder 3"/>
+          <p:cNvSpPr>
+            <a:spLocks noGrp="1"/>
+          </p:cNvSpPr>
+          <p:nvPr>
+            <p:ph type="sldNum" sz="quarter" idx="5"/>
+          </p:nvPr>
+        </p:nvSpPr>
+        <p:spPr/>
+        <p:txBody>
+          <a:bodyPr/>
+          <a:lstStyle/>
+          <a:p>
+            <a:fld id="{1FFC93A7-B1F3-454A-A230-F9074DA5B0F9}" type="slidenum">
+              <a:rPr lang="en-US" smtClean="0"/>
+              <a:t>22</a:t>
+            </a:fld>
+            <a:endParaRPr lang="en-US"/>
+          </a:p>
+        </p:txBody>
+      </p:sp>
+    </p:spTree>
+    <p:extLst>
+      <p:ext uri="{BB962C8B-B14F-4D97-AF65-F5344CB8AC3E}">
+        <p14:creationId xmlns:p14="http://schemas.microsoft.com/office/powerpoint/2010/main" val="2130634335"/>
       </p:ext>
     </p:extLst>
   </p:cSld>
@@ -15017,6 +15187,281 @@
 </p:sld>
 </file>
 
+<file path=ppt/slides/slide21.xml><?xml version="1.0" encoding="utf-8"?>
+<p:sld xmlns:a="http://schemas.openxmlformats.org/drawingml/2006/main" xmlns:r="http://schemas.openxmlformats.org/officeDocument/2006/relationships" xmlns:p="http://schemas.openxmlformats.org/presentationml/2006/main">
+  <p:cSld>
+    <p:spTree>
+      <p:nvGrpSpPr>
+        <p:cNvPr id="1" name=""/>
+        <p:cNvGrpSpPr/>
+        <p:nvPr/>
+      </p:nvGrpSpPr>
+      <p:grpSpPr>
+        <a:xfrm>
+          <a:off x="0" y="0"/>
+          <a:ext cx="0" cy="0"/>
+          <a:chOff x="0" y="0"/>
+          <a:chExt cx="0" cy="0"/>
+        </a:xfrm>
+      </p:grpSpPr>
+      <p:sp>
+        <p:nvSpPr>
+          <p:cNvPr id="8" name="Rectangle 7">
+            <a:extLst>
+              <a:ext uri="{FF2B5EF4-FFF2-40B4-BE49-F238E27FC236}">
+                <a16:creationId xmlns:a16="http://schemas.microsoft.com/office/drawing/2014/main" id="{28AF59DB-4F9D-47B1-A0E4-86FCD58D7CF5}"/>
+              </a:ext>
+            </a:extLst>
+          </p:cNvPr>
+          <p:cNvSpPr/>
+          <p:nvPr/>
+        </p:nvSpPr>
+        <p:spPr>
+          <a:xfrm>
+            <a:off x="0" y="0"/>
+            <a:ext cx="12192000" cy="746449"/>
+          </a:xfrm>
+          <a:prstGeom prst="rect">
+            <a:avLst/>
+          </a:prstGeom>
+          <a:pattFill prst="pct70">
+            <a:fgClr>
+              <a:schemeClr val="accent6">
+                <a:lumMod val="60000"/>
+                <a:lumOff val="40000"/>
+              </a:schemeClr>
+            </a:fgClr>
+            <a:bgClr>
+              <a:schemeClr val="bg1"/>
+            </a:bgClr>
+          </a:pattFill>
+          <a:ln>
+            <a:noFill/>
+          </a:ln>
+        </p:spPr>
+        <p:style>
+          <a:lnRef idx="2">
+            <a:schemeClr val="accent1">
+              <a:shade val="50000"/>
+            </a:schemeClr>
+          </a:lnRef>
+          <a:fillRef idx="1">
+            <a:schemeClr val="accent1"/>
+          </a:fillRef>
+          <a:effectRef idx="0">
+            <a:schemeClr val="accent1"/>
+          </a:effectRef>
+          <a:fontRef idx="minor">
+            <a:schemeClr val="lt1"/>
+          </a:fontRef>
+        </p:style>
+        <p:txBody>
+          <a:bodyPr rtlCol="0" anchor="ctr"/>
+          <a:lstStyle/>
+          <a:p>
+            <a:pPr algn="ctr"/>
+            <a:r>
+              <a:rPr lang="en-US" sz="3200" dirty="0">
+                <a:solidFill>
+                  <a:schemeClr val="tx2"/>
+                </a:solidFill>
+              </a:rPr>
+              <a:t>Amide prediction of Norman RTIs</a:t>
+            </a:r>
+            <a:endParaRPr lang="en-US" sz="3200" i="1" dirty="0">
+              <a:solidFill>
+                <a:schemeClr val="tx2"/>
+              </a:solidFill>
+            </a:endParaRPr>
+          </a:p>
+        </p:txBody>
+      </p:sp>
+      <p:pic>
+        <p:nvPicPr>
+          <p:cNvPr id="5" name="Picture 4" descr="Chart, histogram&#10;&#10;Description automatically generated">
+            <a:extLst>
+              <a:ext uri="{FF2B5EF4-FFF2-40B4-BE49-F238E27FC236}">
+                <a16:creationId xmlns:a16="http://schemas.microsoft.com/office/drawing/2014/main" id="{19BAFBAF-96E2-41D4-AD1D-ADD50EE94513}"/>
+              </a:ext>
+            </a:extLst>
+          </p:cNvPr>
+          <p:cNvPicPr>
+            <a:picLocks noChangeAspect="1"/>
+          </p:cNvPicPr>
+          <p:nvPr/>
+        </p:nvPicPr>
+        <p:blipFill>
+          <a:blip r:embed="rId3">
+            <a:extLst>
+              <a:ext uri="{28A0092B-C50C-407E-A947-70E740481C1C}">
+                <a14:useLocalDpi xmlns:a14="http://schemas.microsoft.com/office/drawing/2010/main" val="0"/>
+              </a:ext>
+            </a:extLst>
+          </a:blip>
+          <a:stretch>
+            <a:fillRect/>
+          </a:stretch>
+        </p:blipFill>
+        <p:spPr>
+          <a:xfrm>
+            <a:off x="1078103" y="1182355"/>
+            <a:ext cx="7089113" cy="4726075"/>
+          </a:xfrm>
+          <a:prstGeom prst="rect">
+            <a:avLst/>
+          </a:prstGeom>
+        </p:spPr>
+      </p:pic>
+    </p:spTree>
+    <p:extLst>
+      <p:ext uri="{BB962C8B-B14F-4D97-AF65-F5344CB8AC3E}">
+        <p14:creationId xmlns:p14="http://schemas.microsoft.com/office/powerpoint/2010/main" val="912970659"/>
+      </p:ext>
+    </p:extLst>
+  </p:cSld>
+  <p:clrMapOvr>
+    <a:masterClrMapping/>
+  </p:clrMapOvr>
+</p:sld>
+</file>
+
+<file path=ppt/slides/slide22.xml><?xml version="1.0" encoding="utf-8"?>
+<p:sld xmlns:a="http://schemas.openxmlformats.org/drawingml/2006/main" xmlns:r="http://schemas.openxmlformats.org/officeDocument/2006/relationships" xmlns:p="http://schemas.openxmlformats.org/presentationml/2006/main">
+  <p:cSld>
+    <p:spTree>
+      <p:nvGrpSpPr>
+        <p:cNvPr id="1" name=""/>
+        <p:cNvGrpSpPr/>
+        <p:nvPr/>
+      </p:nvGrpSpPr>
+      <p:grpSpPr>
+        <a:xfrm>
+          <a:off x="0" y="0"/>
+          <a:ext cx="0" cy="0"/>
+          <a:chOff x="0" y="0"/>
+          <a:chExt cx="0" cy="0"/>
+        </a:xfrm>
+      </p:grpSpPr>
+      <p:sp>
+        <p:nvSpPr>
+          <p:cNvPr id="8" name="Rectangle 7">
+            <a:extLst>
+              <a:ext uri="{FF2B5EF4-FFF2-40B4-BE49-F238E27FC236}">
+                <a16:creationId xmlns:a16="http://schemas.microsoft.com/office/drawing/2014/main" id="{28AF59DB-4F9D-47B1-A0E4-86FCD58D7CF5}"/>
+              </a:ext>
+            </a:extLst>
+          </p:cNvPr>
+          <p:cNvSpPr/>
+          <p:nvPr/>
+        </p:nvSpPr>
+        <p:spPr>
+          <a:xfrm>
+            <a:off x="0" y="0"/>
+            <a:ext cx="12192000" cy="746449"/>
+          </a:xfrm>
+          <a:prstGeom prst="rect">
+            <a:avLst/>
+          </a:prstGeom>
+          <a:pattFill prst="pct70">
+            <a:fgClr>
+              <a:schemeClr val="accent6">
+                <a:lumMod val="60000"/>
+                <a:lumOff val="40000"/>
+              </a:schemeClr>
+            </a:fgClr>
+            <a:bgClr>
+              <a:schemeClr val="bg1"/>
+            </a:bgClr>
+          </a:pattFill>
+          <a:ln>
+            <a:noFill/>
+          </a:ln>
+        </p:spPr>
+        <p:style>
+          <a:lnRef idx="2">
+            <a:schemeClr val="accent1">
+              <a:shade val="50000"/>
+            </a:schemeClr>
+          </a:lnRef>
+          <a:fillRef idx="1">
+            <a:schemeClr val="accent1"/>
+          </a:fillRef>
+          <a:effectRef idx="0">
+            <a:schemeClr val="accent1"/>
+          </a:effectRef>
+          <a:fontRef idx="minor">
+            <a:schemeClr val="lt1"/>
+          </a:fontRef>
+        </p:style>
+        <p:txBody>
+          <a:bodyPr rtlCol="0" anchor="ctr"/>
+          <a:lstStyle/>
+          <a:p>
+            <a:pPr algn="ctr"/>
+            <a:r>
+              <a:rPr lang="en-US" sz="3200" dirty="0">
+                <a:solidFill>
+                  <a:schemeClr val="tx2"/>
+                </a:solidFill>
+              </a:rPr>
+              <a:t>Greek prediction of Norman RTIs</a:t>
+            </a:r>
+            <a:endParaRPr lang="en-US" sz="3200" i="1" dirty="0">
+              <a:solidFill>
+                <a:schemeClr val="tx2"/>
+              </a:solidFill>
+            </a:endParaRPr>
+          </a:p>
+        </p:txBody>
+      </p:sp>
+      <p:pic>
+        <p:nvPicPr>
+          <p:cNvPr id="5" name="Picture 4">
+            <a:extLst>
+              <a:ext uri="{FF2B5EF4-FFF2-40B4-BE49-F238E27FC236}">
+                <a16:creationId xmlns:a16="http://schemas.microsoft.com/office/drawing/2014/main" id="{19BAFBAF-96E2-41D4-AD1D-ADD50EE94513}"/>
+              </a:ext>
+            </a:extLst>
+          </p:cNvPr>
+          <p:cNvPicPr>
+            <a:picLocks noChangeAspect="1"/>
+          </p:cNvPicPr>
+          <p:nvPr/>
+        </p:nvPicPr>
+        <p:blipFill>
+          <a:blip r:embed="rId3">
+            <a:extLst>
+              <a:ext uri="{28A0092B-C50C-407E-A947-70E740481C1C}">
+                <a14:useLocalDpi xmlns:a14="http://schemas.microsoft.com/office/drawing/2010/main" val="0"/>
+              </a:ext>
+            </a:extLst>
+          </a:blip>
+          <a:srcRect/>
+          <a:stretch/>
+        </p:blipFill>
+        <p:spPr>
+          <a:xfrm>
+            <a:off x="1078103" y="1182355"/>
+            <a:ext cx="7089112" cy="4726075"/>
+          </a:xfrm>
+          <a:prstGeom prst="rect">
+            <a:avLst/>
+          </a:prstGeom>
+        </p:spPr>
+      </p:pic>
+    </p:spTree>
+    <p:extLst>
+      <p:ext uri="{BB962C8B-B14F-4D97-AF65-F5344CB8AC3E}">
+        <p14:creationId xmlns:p14="http://schemas.microsoft.com/office/powerpoint/2010/main" val="1784348181"/>
+      </p:ext>
+    </p:extLst>
+  </p:cSld>
+  <p:clrMapOvr>
+    <a:masterClrMapping/>
+  </p:clrMapOvr>
+</p:sld>
+</file>
+
 <file path=ppt/slides/slide3.xml><?xml version="1.0" encoding="utf-8"?>
 <p:sld xmlns:a="http://schemas.openxmlformats.org/drawingml/2006/main" xmlns:r="http://schemas.openxmlformats.org/officeDocument/2006/relationships" xmlns:p="http://schemas.openxmlformats.org/presentationml/2006/main">
   <p:cSld>

--- a/Future presentation update.pptx
+++ b/Future presentation update.pptx
@@ -5,7 +5,7 @@
     <p:sldMasterId id="2147483648" r:id="rId1"/>
   </p:sldMasterIdLst>
   <p:notesMasterIdLst>
-    <p:notesMasterId r:id="rId24"/>
+    <p:notesMasterId r:id="rId26"/>
   </p:notesMasterIdLst>
   <p:sldIdLst>
     <p:sldId id="275" r:id="rId2"/>
@@ -29,7 +29,9 @@
     <p:sldId id="281" r:id="rId20"/>
     <p:sldId id="282" r:id="rId21"/>
     <p:sldId id="285" r:id="rId22"/>
-    <p:sldId id="286" r:id="rId23"/>
+    <p:sldId id="288" r:id="rId23"/>
+    <p:sldId id="287" r:id="rId24"/>
+    <p:sldId id="289" r:id="rId25"/>
   </p:sldIdLst>
   <p:sldSz cx="12192000" cy="6858000"/>
   <p:notesSz cx="6858000" cy="9144000"/>
@@ -229,7 +231,7 @@
           <a:p>
             <a:fld id="{D89C509C-F59B-43AF-A9EE-F3A414EAAE56}" type="datetimeFigureOut">
               <a:rPr lang="en-US" smtClean="0"/>
-              <a:t>5/26/2022</a:t>
+              <a:t>6/6/2022</a:t>
             </a:fld>
             <a:endParaRPr lang="en-US"/>
           </a:p>
@@ -1154,7 +1156,175 @@
     </p:spTree>
     <p:extLst>
       <p:ext uri="{BB962C8B-B14F-4D97-AF65-F5344CB8AC3E}">
-        <p14:creationId xmlns:p14="http://schemas.microsoft.com/office/powerpoint/2010/main" val="2130634335"/>
+        <p14:creationId xmlns:p14="http://schemas.microsoft.com/office/powerpoint/2010/main" val="424546777"/>
+      </p:ext>
+    </p:extLst>
+  </p:cSld>
+  <p:clrMapOvr>
+    <a:masterClrMapping/>
+  </p:clrMapOvr>
+</p:notes>
+</file>
+
+<file path=ppt/notesSlides/notesSlide8.xml><?xml version="1.0" encoding="utf-8"?>
+<p:notes xmlns:a="http://schemas.openxmlformats.org/drawingml/2006/main" xmlns:r="http://schemas.openxmlformats.org/officeDocument/2006/relationships" xmlns:p="http://schemas.openxmlformats.org/presentationml/2006/main">
+  <p:cSld>
+    <p:spTree>
+      <p:nvGrpSpPr>
+        <p:cNvPr id="1" name=""/>
+        <p:cNvGrpSpPr/>
+        <p:nvPr/>
+      </p:nvGrpSpPr>
+      <p:grpSpPr>
+        <a:xfrm>
+          <a:off x="0" y="0"/>
+          <a:ext cx="0" cy="0"/>
+          <a:chOff x="0" y="0"/>
+          <a:chExt cx="0" cy="0"/>
+        </a:xfrm>
+      </p:grpSpPr>
+      <p:sp>
+        <p:nvSpPr>
+          <p:cNvPr id="2" name="Slide Image Placeholder 1"/>
+          <p:cNvSpPr>
+            <a:spLocks noGrp="1" noRot="1" noChangeAspect="1"/>
+          </p:cNvSpPr>
+          <p:nvPr>
+            <p:ph type="sldImg"/>
+          </p:nvPr>
+        </p:nvSpPr>
+        <p:spPr/>
+      </p:sp>
+      <p:sp>
+        <p:nvSpPr>
+          <p:cNvPr id="3" name="Notes Placeholder 2"/>
+          <p:cNvSpPr>
+            <a:spLocks noGrp="1"/>
+          </p:cNvSpPr>
+          <p:nvPr>
+            <p:ph type="body" idx="1"/>
+          </p:nvPr>
+        </p:nvSpPr>
+        <p:spPr/>
+        <p:txBody>
+          <a:bodyPr/>
+          <a:lstStyle/>
+          <a:p>
+            <a:endParaRPr lang="en-US" dirty="0"/>
+          </a:p>
+        </p:txBody>
+      </p:sp>
+      <p:sp>
+        <p:nvSpPr>
+          <p:cNvPr id="4" name="Slide Number Placeholder 3"/>
+          <p:cNvSpPr>
+            <a:spLocks noGrp="1"/>
+          </p:cNvSpPr>
+          <p:nvPr>
+            <p:ph type="sldNum" sz="quarter" idx="5"/>
+          </p:nvPr>
+        </p:nvSpPr>
+        <p:spPr/>
+        <p:txBody>
+          <a:bodyPr/>
+          <a:lstStyle/>
+          <a:p>
+            <a:fld id="{1FFC93A7-B1F3-454A-A230-F9074DA5B0F9}" type="slidenum">
+              <a:rPr lang="en-US" smtClean="0"/>
+              <a:t>23</a:t>
+            </a:fld>
+            <a:endParaRPr lang="en-US"/>
+          </a:p>
+        </p:txBody>
+      </p:sp>
+    </p:spTree>
+    <p:extLst>
+      <p:ext uri="{BB962C8B-B14F-4D97-AF65-F5344CB8AC3E}">
+        <p14:creationId xmlns:p14="http://schemas.microsoft.com/office/powerpoint/2010/main" val="3374407463"/>
+      </p:ext>
+    </p:extLst>
+  </p:cSld>
+  <p:clrMapOvr>
+    <a:masterClrMapping/>
+  </p:clrMapOvr>
+</p:notes>
+</file>
+
+<file path=ppt/notesSlides/notesSlide9.xml><?xml version="1.0" encoding="utf-8"?>
+<p:notes xmlns:a="http://schemas.openxmlformats.org/drawingml/2006/main" xmlns:r="http://schemas.openxmlformats.org/officeDocument/2006/relationships" xmlns:p="http://schemas.openxmlformats.org/presentationml/2006/main">
+  <p:cSld>
+    <p:spTree>
+      <p:nvGrpSpPr>
+        <p:cNvPr id="1" name=""/>
+        <p:cNvGrpSpPr/>
+        <p:nvPr/>
+      </p:nvGrpSpPr>
+      <p:grpSpPr>
+        <a:xfrm>
+          <a:off x="0" y="0"/>
+          <a:ext cx="0" cy="0"/>
+          <a:chOff x="0" y="0"/>
+          <a:chExt cx="0" cy="0"/>
+        </a:xfrm>
+      </p:grpSpPr>
+      <p:sp>
+        <p:nvSpPr>
+          <p:cNvPr id="2" name="Slide Image Placeholder 1"/>
+          <p:cNvSpPr>
+            <a:spLocks noGrp="1" noRot="1" noChangeAspect="1"/>
+          </p:cNvSpPr>
+          <p:nvPr>
+            <p:ph type="sldImg"/>
+          </p:nvPr>
+        </p:nvSpPr>
+        <p:spPr/>
+      </p:sp>
+      <p:sp>
+        <p:nvSpPr>
+          <p:cNvPr id="3" name="Notes Placeholder 2"/>
+          <p:cNvSpPr>
+            <a:spLocks noGrp="1"/>
+          </p:cNvSpPr>
+          <p:nvPr>
+            <p:ph type="body" idx="1"/>
+          </p:nvPr>
+        </p:nvSpPr>
+        <p:spPr/>
+        <p:txBody>
+          <a:bodyPr/>
+          <a:lstStyle/>
+          <a:p>
+            <a:endParaRPr lang="en-US" dirty="0"/>
+          </a:p>
+        </p:txBody>
+      </p:sp>
+      <p:sp>
+        <p:nvSpPr>
+          <p:cNvPr id="4" name="Slide Number Placeholder 3"/>
+          <p:cNvSpPr>
+            <a:spLocks noGrp="1"/>
+          </p:cNvSpPr>
+          <p:nvPr>
+            <p:ph type="sldNum" sz="quarter" idx="5"/>
+          </p:nvPr>
+        </p:nvSpPr>
+        <p:spPr/>
+        <p:txBody>
+          <a:bodyPr/>
+          <a:lstStyle/>
+          <a:p>
+            <a:fld id="{1FFC93A7-B1F3-454A-A230-F9074DA5B0F9}" type="slidenum">
+              <a:rPr lang="en-US" smtClean="0"/>
+              <a:t>24</a:t>
+            </a:fld>
+            <a:endParaRPr lang="en-US"/>
+          </a:p>
+        </p:txBody>
+      </p:sp>
+    </p:spTree>
+    <p:extLst>
+      <p:ext uri="{BB962C8B-B14F-4D97-AF65-F5344CB8AC3E}">
+        <p14:creationId xmlns:p14="http://schemas.microsoft.com/office/powerpoint/2010/main" val="4278346311"/>
       </p:ext>
     </p:extLst>
   </p:cSld>
@@ -1311,7 +1481,7 @@
           <a:p>
             <a:fld id="{C0000475-B398-4327-8963-A9A1B862D0B5}" type="datetimeFigureOut">
               <a:rPr lang="en-US" smtClean="0"/>
-              <a:t>5/26/2022</a:t>
+              <a:t>6/6/2022</a:t>
             </a:fld>
             <a:endParaRPr lang="en-US"/>
           </a:p>
@@ -1509,7 +1679,7 @@
           <a:p>
             <a:fld id="{C0000475-B398-4327-8963-A9A1B862D0B5}" type="datetimeFigureOut">
               <a:rPr lang="en-US" smtClean="0"/>
-              <a:t>5/26/2022</a:t>
+              <a:t>6/6/2022</a:t>
             </a:fld>
             <a:endParaRPr lang="en-US"/>
           </a:p>
@@ -1717,7 +1887,7 @@
           <a:p>
             <a:fld id="{C0000475-B398-4327-8963-A9A1B862D0B5}" type="datetimeFigureOut">
               <a:rPr lang="en-US" smtClean="0"/>
-              <a:t>5/26/2022</a:t>
+              <a:t>6/6/2022</a:t>
             </a:fld>
             <a:endParaRPr lang="en-US"/>
           </a:p>
@@ -1915,7 +2085,7 @@
           <a:p>
             <a:fld id="{C0000475-B398-4327-8963-A9A1B862D0B5}" type="datetimeFigureOut">
               <a:rPr lang="en-US" smtClean="0"/>
-              <a:t>5/26/2022</a:t>
+              <a:t>6/6/2022</a:t>
             </a:fld>
             <a:endParaRPr lang="en-US"/>
           </a:p>
@@ -2190,7 +2360,7 @@
           <a:p>
             <a:fld id="{C0000475-B398-4327-8963-A9A1B862D0B5}" type="datetimeFigureOut">
               <a:rPr lang="en-US" smtClean="0"/>
-              <a:t>5/26/2022</a:t>
+              <a:t>6/6/2022</a:t>
             </a:fld>
             <a:endParaRPr lang="en-US"/>
           </a:p>
@@ -2455,7 +2625,7 @@
           <a:p>
             <a:fld id="{C0000475-B398-4327-8963-A9A1B862D0B5}" type="datetimeFigureOut">
               <a:rPr lang="en-US" smtClean="0"/>
-              <a:t>5/26/2022</a:t>
+              <a:t>6/6/2022</a:t>
             </a:fld>
             <a:endParaRPr lang="en-US"/>
           </a:p>
@@ -2867,7 +3037,7 @@
           <a:p>
             <a:fld id="{C0000475-B398-4327-8963-A9A1B862D0B5}" type="datetimeFigureOut">
               <a:rPr lang="en-US" smtClean="0"/>
-              <a:t>5/26/2022</a:t>
+              <a:t>6/6/2022</a:t>
             </a:fld>
             <a:endParaRPr lang="en-US"/>
           </a:p>
@@ -3008,7 +3178,7 @@
           <a:p>
             <a:fld id="{C0000475-B398-4327-8963-A9A1B862D0B5}" type="datetimeFigureOut">
               <a:rPr lang="en-US" smtClean="0"/>
-              <a:t>5/26/2022</a:t>
+              <a:t>6/6/2022</a:t>
             </a:fld>
             <a:endParaRPr lang="en-US"/>
           </a:p>
@@ -3121,7 +3291,7 @@
           <a:p>
             <a:fld id="{C0000475-B398-4327-8963-A9A1B862D0B5}" type="datetimeFigureOut">
               <a:rPr lang="en-US" smtClean="0"/>
-              <a:t>5/26/2022</a:t>
+              <a:t>6/6/2022</a:t>
             </a:fld>
             <a:endParaRPr lang="en-US"/>
           </a:p>
@@ -3432,7 +3602,7 @@
           <a:p>
             <a:fld id="{C0000475-B398-4327-8963-A9A1B862D0B5}" type="datetimeFigureOut">
               <a:rPr lang="en-US" smtClean="0"/>
-              <a:t>5/26/2022</a:t>
+              <a:t>6/6/2022</a:t>
             </a:fld>
             <a:endParaRPr lang="en-US"/>
           </a:p>
@@ -3720,7 +3890,7 @@
           <a:p>
             <a:fld id="{C0000475-B398-4327-8963-A9A1B862D0B5}" type="datetimeFigureOut">
               <a:rPr lang="en-US" smtClean="0"/>
-              <a:t>5/26/2022</a:t>
+              <a:t>6/6/2022</a:t>
             </a:fld>
             <a:endParaRPr lang="en-US"/>
           </a:p>
@@ -3972,7 +4142,7 @@
           <a:p>
             <a:fld id="{C0000475-B398-4327-8963-A9A1B862D0B5}" type="datetimeFigureOut">
               <a:rPr lang="en-US" smtClean="0"/>
-              <a:t>5/26/2022</a:t>
+              <a:t>6/6/2022</a:t>
             </a:fld>
             <a:endParaRPr lang="en-US"/>
           </a:p>
@@ -14669,14 +14839,14 @@
           <p:nvPr>
             <p:extLst>
               <p:ext uri="{D42A27DB-BD31-4B8C-83A1-F6EECF244321}">
-                <p14:modId xmlns:p14="http://schemas.microsoft.com/office/powerpoint/2010/main" val="2007707824"/>
+                <p14:modId xmlns:p14="http://schemas.microsoft.com/office/powerpoint/2010/main" val="3753009440"/>
               </p:ext>
             </p:extLst>
           </p:nvPr>
         </p:nvGraphicFramePr>
         <p:xfrm>
           <a:off x="6457084" y="1123950"/>
-          <a:ext cx="5182466" cy="1661160"/>
+          <a:ext cx="5182466" cy="2402840"/>
         </p:xfrm>
         <a:graphic>
           <a:graphicData uri="http://schemas.openxmlformats.org/drawingml/2006/table">
@@ -14967,6 +15137,158 @@
                   </a:ext>
                 </a:extLst>
               </a:tr>
+              <a:tr h="370840">
+                <a:tc>
+                  <a:txBody>
+                    <a:bodyPr/>
+                    <a:lstStyle/>
+                    <a:p>
+                      <a:pPr marL="0" marR="0" lvl="0" indent="0" algn="ctr" defTabSz="914400" rtl="0" eaLnBrk="1" fontAlgn="auto" latinLnBrk="0" hangingPunct="1">
+                        <a:lnSpc>
+                          <a:spcPct val="100000"/>
+                        </a:lnSpc>
+                        <a:spcBef>
+                          <a:spcPts val="0"/>
+                        </a:spcBef>
+                        <a:spcAft>
+                          <a:spcPts val="0"/>
+                        </a:spcAft>
+                        <a:buClrTx/>
+                        <a:buSzTx/>
+                        <a:buFontTx/>
+                        <a:buNone/>
+                        <a:tabLst/>
+                        <a:defRPr/>
+                      </a:pPr>
+                      <a:r>
+                        <a:rPr lang="en-US" dirty="0"/>
+                        <a:t>4</a:t>
+                      </a:r>
+                    </a:p>
+                  </a:txBody>
+                  <a:tcPr anchor="ctr"/>
+                </a:tc>
+                <a:tc>
+                  <a:txBody>
+                    <a:bodyPr/>
+                    <a:lstStyle/>
+                    <a:p>
+                      <a:pPr marL="0" marR="0" lvl="0" indent="0" algn="ctr" defTabSz="914400" rtl="0" eaLnBrk="1" fontAlgn="auto" latinLnBrk="0" hangingPunct="1">
+                        <a:lnSpc>
+                          <a:spcPct val="100000"/>
+                        </a:lnSpc>
+                        <a:spcBef>
+                          <a:spcPts val="0"/>
+                        </a:spcBef>
+                        <a:spcAft>
+                          <a:spcPts val="0"/>
+                        </a:spcAft>
+                        <a:buClrTx/>
+                        <a:buSzTx/>
+                        <a:buFontTx/>
+                        <a:buNone/>
+                        <a:tabLst/>
+                        <a:defRPr/>
+                      </a:pPr>
+                      <a:r>
+                        <a:rPr lang="en-US" sz="1800" b="0" i="0" kern="1200" dirty="0" err="1">
+                          <a:solidFill>
+                            <a:schemeClr val="dk1"/>
+                          </a:solidFill>
+                          <a:effectLst/>
+                          <a:latin typeface="+mn-lt"/>
+                          <a:ea typeface="+mn-ea"/>
+                          <a:cs typeface="+mn-cs"/>
+                        </a:rPr>
+                        <a:t>CrippenMR</a:t>
+                      </a:r>
+                      <a:endParaRPr lang="en-US" dirty="0"/>
+                    </a:p>
+                  </a:txBody>
+                  <a:tcPr anchor="ctr"/>
+                </a:tc>
+                <a:extLst>
+                  <a:ext uri="{0D108BD9-81ED-4DB2-BD59-A6C34878D82A}">
+                    <a16:rowId xmlns:a16="http://schemas.microsoft.com/office/drawing/2014/main" val="561162808"/>
+                  </a:ext>
+                </a:extLst>
+              </a:tr>
+              <a:tr h="370840">
+                <a:tc>
+                  <a:txBody>
+                    <a:bodyPr/>
+                    <a:lstStyle/>
+                    <a:p>
+                      <a:pPr marL="0" marR="0" lvl="0" indent="0" algn="ctr" defTabSz="914400" rtl="0" eaLnBrk="1" fontAlgn="auto" latinLnBrk="0" hangingPunct="1">
+                        <a:lnSpc>
+                          <a:spcPct val="100000"/>
+                        </a:lnSpc>
+                        <a:spcBef>
+                          <a:spcPts val="0"/>
+                        </a:spcBef>
+                        <a:spcAft>
+                          <a:spcPts val="0"/>
+                        </a:spcAft>
+                        <a:buClrTx/>
+                        <a:buSzTx/>
+                        <a:buFontTx/>
+                        <a:buNone/>
+                        <a:tabLst/>
+                        <a:defRPr/>
+                      </a:pPr>
+                      <a:r>
+                        <a:rPr lang="en-US" dirty="0"/>
+                        <a:t>5</a:t>
+                      </a:r>
+                    </a:p>
+                  </a:txBody>
+                  <a:tcPr anchor="ctr"/>
+                </a:tc>
+                <a:tc>
+                  <a:txBody>
+                    <a:bodyPr/>
+                    <a:lstStyle/>
+                    <a:p>
+                      <a:pPr marL="0" marR="0" lvl="0" indent="0" algn="ctr" defTabSz="914400" rtl="0" eaLnBrk="1" fontAlgn="auto" latinLnBrk="0" hangingPunct="1">
+                        <a:lnSpc>
+                          <a:spcPct val="100000"/>
+                        </a:lnSpc>
+                        <a:spcBef>
+                          <a:spcPts val="0"/>
+                        </a:spcBef>
+                        <a:spcAft>
+                          <a:spcPts val="0"/>
+                        </a:spcAft>
+                        <a:buClrTx/>
+                        <a:buSzTx/>
+                        <a:buFontTx/>
+                        <a:buNone/>
+                        <a:tabLst/>
+                        <a:defRPr/>
+                      </a:pPr>
+                      <a:r>
+                        <a:rPr lang="en-US" sz="1800" b="0" i="0" kern="1200" dirty="0">
+                          <a:solidFill>
+                            <a:schemeClr val="dk1"/>
+                          </a:solidFill>
+                          <a:effectLst/>
+                          <a:latin typeface="+mn-lt"/>
+                          <a:ea typeface="+mn-ea"/>
+                          <a:cs typeface="+mn-cs"/>
+                        </a:rPr>
+                        <a:t>MLFER_L</a:t>
+                      </a:r>
+                      <a:endParaRPr lang="en-US" dirty="0"/>
+                    </a:p>
+                  </a:txBody>
+                  <a:tcPr anchor="ctr"/>
+                </a:tc>
+                <a:extLst>
+                  <a:ext uri="{0D108BD9-81ED-4DB2-BD59-A6C34878D82A}">
+                    <a16:rowId xmlns:a16="http://schemas.microsoft.com/office/drawing/2014/main" val="3574032662"/>
+                  </a:ext>
+                </a:extLst>
+              </a:tr>
             </a:tbl>
           </a:graphicData>
         </a:graphic>
@@ -15009,7 +15331,7 @@
             </a:r>
             <a:r>
               <a:rPr lang="en-US" sz="2400" dirty="0"/>
-              <a:t> (training set) = 0.84</a:t>
+              <a:t> (training set) = 0.87</a:t>
             </a:r>
           </a:p>
           <a:p>
@@ -15023,13 +15345,13 @@
             </a:r>
             <a:r>
               <a:rPr lang="en-US" sz="2400" dirty="0"/>
-              <a:t> (test set) = 0.74</a:t>
+              <a:t> (test set) = 0.77</a:t>
             </a:r>
           </a:p>
           <a:p>
             <a:r>
               <a:rPr lang="en-US" sz="2400" dirty="0"/>
-              <a:t>Cross validation 5-fold average = 0.71</a:t>
+              <a:t>Cross validation 5-fold average = 0.74</a:t>
             </a:r>
           </a:p>
         </p:txBody>
@@ -15261,7 +15583,7 @@
           <a:p>
             <a:pPr algn="ctr"/>
             <a:r>
-              <a:rPr lang="en-US" sz="3200" dirty="0">
+              <a:rPr lang="en-US" sz="3200">
                 <a:solidFill>
                   <a:schemeClr val="tx2"/>
                 </a:solidFill>
@@ -15278,7 +15600,7 @@
       </p:sp>
       <p:pic>
         <p:nvPicPr>
-          <p:cNvPr id="5" name="Picture 4" descr="Chart, histogram&#10;&#10;Description automatically generated">
+          <p:cNvPr id="5" name="Picture 4">
             <a:extLst>
               <a:ext uri="{FF2B5EF4-FFF2-40B4-BE49-F238E27FC236}">
                 <a16:creationId xmlns:a16="http://schemas.microsoft.com/office/drawing/2014/main" id="{19BAFBAF-96E2-41D4-AD1D-ADD50EE94513}"/>
@@ -15298,14 +15620,13 @@
               </a:ext>
             </a:extLst>
           </a:blip>
-          <a:stretch>
-            <a:fillRect/>
-          </a:stretch>
+          <a:srcRect/>
+          <a:stretch/>
         </p:blipFill>
         <p:spPr>
           <a:xfrm>
             <a:off x="1078103" y="1182355"/>
-            <a:ext cx="7089113" cy="4726075"/>
+            <a:ext cx="7089112" cy="4726075"/>
           </a:xfrm>
           <a:prstGeom prst="rect">
             <a:avLst/>
@@ -15442,7 +15763,7 @@
         <p:spPr>
           <a:xfrm>
             <a:off x="1078103" y="1182355"/>
-            <a:ext cx="7089112" cy="4726075"/>
+            <a:ext cx="7089112" cy="4726074"/>
           </a:xfrm>
           <a:prstGeom prst="rect">
             <a:avLst/>
@@ -15452,7 +15773,527 @@
     </p:spTree>
     <p:extLst>
       <p:ext uri="{BB962C8B-B14F-4D97-AF65-F5344CB8AC3E}">
-        <p14:creationId xmlns:p14="http://schemas.microsoft.com/office/powerpoint/2010/main" val="1784348181"/>
+        <p14:creationId xmlns:p14="http://schemas.microsoft.com/office/powerpoint/2010/main" val="227046934"/>
+      </p:ext>
+    </p:extLst>
+  </p:cSld>
+  <p:clrMapOvr>
+    <a:masterClrMapping/>
+  </p:clrMapOvr>
+</p:sld>
+</file>
+
+<file path=ppt/slides/slide23.xml><?xml version="1.0" encoding="utf-8"?>
+<p:sld xmlns:a="http://schemas.openxmlformats.org/drawingml/2006/main" xmlns:r="http://schemas.openxmlformats.org/officeDocument/2006/relationships" xmlns:p="http://schemas.openxmlformats.org/presentationml/2006/main">
+  <p:cSld>
+    <p:spTree>
+      <p:nvGrpSpPr>
+        <p:cNvPr id="1" name=""/>
+        <p:cNvGrpSpPr/>
+        <p:nvPr/>
+      </p:nvGrpSpPr>
+      <p:grpSpPr>
+        <a:xfrm>
+          <a:off x="0" y="0"/>
+          <a:ext cx="0" cy="0"/>
+          <a:chOff x="0" y="0"/>
+          <a:chExt cx="0" cy="0"/>
+        </a:xfrm>
+      </p:grpSpPr>
+      <p:sp>
+        <p:nvSpPr>
+          <p:cNvPr id="8" name="Rectangle 7">
+            <a:extLst>
+              <a:ext uri="{FF2B5EF4-FFF2-40B4-BE49-F238E27FC236}">
+                <a16:creationId xmlns:a16="http://schemas.microsoft.com/office/drawing/2014/main" id="{28AF59DB-4F9D-47B1-A0E4-86FCD58D7CF5}"/>
+              </a:ext>
+            </a:extLst>
+          </p:cNvPr>
+          <p:cNvSpPr/>
+          <p:nvPr/>
+        </p:nvSpPr>
+        <p:spPr>
+          <a:xfrm>
+            <a:off x="0" y="0"/>
+            <a:ext cx="12192000" cy="746449"/>
+          </a:xfrm>
+          <a:prstGeom prst="rect">
+            <a:avLst/>
+          </a:prstGeom>
+          <a:pattFill prst="pct70">
+            <a:fgClr>
+              <a:schemeClr val="accent6">
+                <a:lumMod val="60000"/>
+                <a:lumOff val="40000"/>
+              </a:schemeClr>
+            </a:fgClr>
+            <a:bgClr>
+              <a:schemeClr val="bg1"/>
+            </a:bgClr>
+          </a:pattFill>
+          <a:ln>
+            <a:noFill/>
+          </a:ln>
+        </p:spPr>
+        <p:style>
+          <a:lnRef idx="2">
+            <a:schemeClr val="accent1">
+              <a:shade val="50000"/>
+            </a:schemeClr>
+          </a:lnRef>
+          <a:fillRef idx="1">
+            <a:schemeClr val="accent1"/>
+          </a:fillRef>
+          <a:effectRef idx="0">
+            <a:schemeClr val="accent1"/>
+          </a:effectRef>
+          <a:fontRef idx="minor">
+            <a:schemeClr val="lt1"/>
+          </a:fontRef>
+        </p:style>
+        <p:txBody>
+          <a:bodyPr rtlCol="0" anchor="ctr"/>
+          <a:lstStyle/>
+          <a:p>
+            <a:pPr algn="ctr"/>
+            <a:r>
+              <a:rPr lang="en-US" sz="3200" dirty="0">
+                <a:solidFill>
+                  <a:schemeClr val="tx2"/>
+                </a:solidFill>
+              </a:rPr>
+              <a:t>Amide- </a:t>
+            </a:r>
+            <a:r>
+              <a:rPr lang="en-US" sz="3200" dirty="0" err="1">
+                <a:solidFill>
+                  <a:schemeClr val="tx2"/>
+                </a:solidFill>
+              </a:rPr>
+              <a:t>LoHi</a:t>
+            </a:r>
+            <a:r>
+              <a:rPr lang="en-US" sz="3200" dirty="0">
+                <a:solidFill>
+                  <a:schemeClr val="tx2"/>
+                </a:solidFill>
+              </a:rPr>
+              <a:t> distributions</a:t>
+            </a:r>
+            <a:endParaRPr lang="en-US" sz="3200" i="1" dirty="0">
+              <a:solidFill>
+                <a:schemeClr val="tx2"/>
+              </a:solidFill>
+            </a:endParaRPr>
+          </a:p>
+        </p:txBody>
+      </p:sp>
+      <p:sp>
+        <p:nvSpPr>
+          <p:cNvPr id="2" name="TextBox 1">
+            <a:extLst>
+              <a:ext uri="{FF2B5EF4-FFF2-40B4-BE49-F238E27FC236}">
+                <a16:creationId xmlns:a16="http://schemas.microsoft.com/office/drawing/2014/main" id="{B5EFEFE8-2BA8-49B5-834C-B30B82E21059}"/>
+              </a:ext>
+            </a:extLst>
+          </p:cNvPr>
+          <p:cNvSpPr txBox="1"/>
+          <p:nvPr/>
+        </p:nvSpPr>
+        <p:spPr>
+          <a:xfrm>
+            <a:off x="1629716" y="1113953"/>
+            <a:ext cx="2963568" cy="523220"/>
+          </a:xfrm>
+          <a:prstGeom prst="rect">
+            <a:avLst/>
+          </a:prstGeom>
+          <a:noFill/>
+        </p:spPr>
+        <p:txBody>
+          <a:bodyPr wrap="none" rtlCol="0">
+            <a:spAutoFit/>
+          </a:bodyPr>
+          <a:lstStyle/>
+          <a:p>
+            <a:pPr algn="ctr"/>
+            <a:r>
+              <a:rPr lang="en-US" sz="2800" dirty="0"/>
+              <a:t>Lowest point 255.8</a:t>
+            </a:r>
+          </a:p>
+        </p:txBody>
+      </p:sp>
+      <p:sp>
+        <p:nvSpPr>
+          <p:cNvPr id="6" name="TextBox 5">
+            <a:extLst>
+              <a:ext uri="{FF2B5EF4-FFF2-40B4-BE49-F238E27FC236}">
+                <a16:creationId xmlns:a16="http://schemas.microsoft.com/office/drawing/2014/main" id="{DCBC0F18-8E6A-4CE9-934B-A937642E50A4}"/>
+              </a:ext>
+            </a:extLst>
+          </p:cNvPr>
+          <p:cNvSpPr txBox="1"/>
+          <p:nvPr/>
+        </p:nvSpPr>
+        <p:spPr>
+          <a:xfrm>
+            <a:off x="7562777" y="1206173"/>
+            <a:ext cx="3035446" cy="523220"/>
+          </a:xfrm>
+          <a:prstGeom prst="rect">
+            <a:avLst/>
+          </a:prstGeom>
+          <a:noFill/>
+        </p:spPr>
+        <p:txBody>
+          <a:bodyPr wrap="none" rtlCol="0">
+            <a:spAutoFit/>
+          </a:bodyPr>
+          <a:lstStyle/>
+          <a:p>
+            <a:r>
+              <a:rPr lang="en-US" sz="2800" dirty="0"/>
+              <a:t>Highest point 968.9</a:t>
+            </a:r>
+          </a:p>
+        </p:txBody>
+      </p:sp>
+      <p:pic>
+        <p:nvPicPr>
+          <p:cNvPr id="4" name="Picture 3" descr="Chart, histogram&#10;&#10;Description automatically generated">
+            <a:extLst>
+              <a:ext uri="{FF2B5EF4-FFF2-40B4-BE49-F238E27FC236}">
+                <a16:creationId xmlns:a16="http://schemas.microsoft.com/office/drawing/2014/main" id="{124C944A-0E38-46D6-963A-B22D247AFBCB}"/>
+              </a:ext>
+            </a:extLst>
+          </p:cNvPr>
+          <p:cNvPicPr>
+            <a:picLocks noChangeAspect="1"/>
+          </p:cNvPicPr>
+          <p:nvPr/>
+        </p:nvPicPr>
+        <p:blipFill>
+          <a:blip r:embed="rId3">
+            <a:extLst>
+              <a:ext uri="{28A0092B-C50C-407E-A947-70E740481C1C}">
+                <a14:useLocalDpi xmlns:a14="http://schemas.microsoft.com/office/drawing/2010/main" val="0"/>
+              </a:ext>
+            </a:extLst>
+          </a:blip>
+          <a:stretch>
+            <a:fillRect/>
+          </a:stretch>
+        </p:blipFill>
+        <p:spPr>
+          <a:xfrm>
+            <a:off x="254000" y="2004677"/>
+            <a:ext cx="5715000" cy="3810000"/>
+          </a:xfrm>
+          <a:prstGeom prst="rect">
+            <a:avLst/>
+          </a:prstGeom>
+        </p:spPr>
+      </p:pic>
+      <p:pic>
+        <p:nvPicPr>
+          <p:cNvPr id="9" name="Picture 8" descr="Chart, histogram&#10;&#10;Description automatically generated">
+            <a:extLst>
+              <a:ext uri="{FF2B5EF4-FFF2-40B4-BE49-F238E27FC236}">
+                <a16:creationId xmlns:a16="http://schemas.microsoft.com/office/drawing/2014/main" id="{C68408FD-E86F-4F29-BFCC-824EB9695EC4}"/>
+              </a:ext>
+            </a:extLst>
+          </p:cNvPr>
+          <p:cNvPicPr>
+            <a:picLocks noChangeAspect="1"/>
+          </p:cNvPicPr>
+          <p:nvPr/>
+        </p:nvPicPr>
+        <p:blipFill>
+          <a:blip r:embed="rId4">
+            <a:extLst>
+              <a:ext uri="{28A0092B-C50C-407E-A947-70E740481C1C}">
+                <a14:useLocalDpi xmlns:a14="http://schemas.microsoft.com/office/drawing/2010/main" val="0"/>
+              </a:ext>
+            </a:extLst>
+          </a:blip>
+          <a:stretch>
+            <a:fillRect/>
+          </a:stretch>
+        </p:blipFill>
+        <p:spPr>
+          <a:xfrm>
+            <a:off x="6223002" y="2004677"/>
+            <a:ext cx="5715000" cy="3810000"/>
+          </a:xfrm>
+          <a:prstGeom prst="rect">
+            <a:avLst/>
+          </a:prstGeom>
+        </p:spPr>
+      </p:pic>
+    </p:spTree>
+    <p:extLst>
+      <p:ext uri="{BB962C8B-B14F-4D97-AF65-F5344CB8AC3E}">
+        <p14:creationId xmlns:p14="http://schemas.microsoft.com/office/powerpoint/2010/main" val="2920309849"/>
+      </p:ext>
+    </p:extLst>
+  </p:cSld>
+  <p:clrMapOvr>
+    <a:masterClrMapping/>
+  </p:clrMapOvr>
+</p:sld>
+</file>
+
+<file path=ppt/slides/slide24.xml><?xml version="1.0" encoding="utf-8"?>
+<p:sld xmlns:a="http://schemas.openxmlformats.org/drawingml/2006/main" xmlns:r="http://schemas.openxmlformats.org/officeDocument/2006/relationships" xmlns:p="http://schemas.openxmlformats.org/presentationml/2006/main">
+  <p:cSld>
+    <p:spTree>
+      <p:nvGrpSpPr>
+        <p:cNvPr id="1" name=""/>
+        <p:cNvGrpSpPr/>
+        <p:nvPr/>
+      </p:nvGrpSpPr>
+      <p:grpSpPr>
+        <a:xfrm>
+          <a:off x="0" y="0"/>
+          <a:ext cx="0" cy="0"/>
+          <a:chOff x="0" y="0"/>
+          <a:chExt cx="0" cy="0"/>
+        </a:xfrm>
+      </p:grpSpPr>
+      <p:sp>
+        <p:nvSpPr>
+          <p:cNvPr id="8" name="Rectangle 7">
+            <a:extLst>
+              <a:ext uri="{FF2B5EF4-FFF2-40B4-BE49-F238E27FC236}">
+                <a16:creationId xmlns:a16="http://schemas.microsoft.com/office/drawing/2014/main" id="{28AF59DB-4F9D-47B1-A0E4-86FCD58D7CF5}"/>
+              </a:ext>
+            </a:extLst>
+          </p:cNvPr>
+          <p:cNvSpPr/>
+          <p:nvPr/>
+        </p:nvSpPr>
+        <p:spPr>
+          <a:xfrm>
+            <a:off x="0" y="0"/>
+            <a:ext cx="12192000" cy="746449"/>
+          </a:xfrm>
+          <a:prstGeom prst="rect">
+            <a:avLst/>
+          </a:prstGeom>
+          <a:pattFill prst="pct70">
+            <a:fgClr>
+              <a:schemeClr val="accent6">
+                <a:lumMod val="60000"/>
+                <a:lumOff val="40000"/>
+              </a:schemeClr>
+            </a:fgClr>
+            <a:bgClr>
+              <a:schemeClr val="bg1"/>
+            </a:bgClr>
+          </a:pattFill>
+          <a:ln>
+            <a:noFill/>
+          </a:ln>
+        </p:spPr>
+        <p:style>
+          <a:lnRef idx="2">
+            <a:schemeClr val="accent1">
+              <a:shade val="50000"/>
+            </a:schemeClr>
+          </a:lnRef>
+          <a:fillRef idx="1">
+            <a:schemeClr val="accent1"/>
+          </a:fillRef>
+          <a:effectRef idx="0">
+            <a:schemeClr val="accent1"/>
+          </a:effectRef>
+          <a:fontRef idx="minor">
+            <a:schemeClr val="lt1"/>
+          </a:fontRef>
+        </p:style>
+        <p:txBody>
+          <a:bodyPr rtlCol="0" anchor="ctr"/>
+          <a:lstStyle/>
+          <a:p>
+            <a:pPr algn="ctr"/>
+            <a:r>
+              <a:rPr lang="en-US" sz="3200" dirty="0">
+                <a:solidFill>
+                  <a:schemeClr val="tx2"/>
+                </a:solidFill>
+              </a:rPr>
+              <a:t>Greek </a:t>
+            </a:r>
+            <a:r>
+              <a:rPr lang="en-US" sz="3200" dirty="0" err="1">
+                <a:solidFill>
+                  <a:schemeClr val="tx2"/>
+                </a:solidFill>
+              </a:rPr>
+              <a:t>LoHi</a:t>
+            </a:r>
+            <a:r>
+              <a:rPr lang="en-US" sz="3200" dirty="0">
+                <a:solidFill>
+                  <a:schemeClr val="tx2"/>
+                </a:solidFill>
+              </a:rPr>
+              <a:t> distributions</a:t>
+            </a:r>
+            <a:endParaRPr lang="en-US" sz="3200" i="1" dirty="0">
+              <a:solidFill>
+                <a:schemeClr val="tx2"/>
+              </a:solidFill>
+            </a:endParaRPr>
+          </a:p>
+        </p:txBody>
+      </p:sp>
+      <p:sp>
+        <p:nvSpPr>
+          <p:cNvPr id="2" name="TextBox 1">
+            <a:extLst>
+              <a:ext uri="{FF2B5EF4-FFF2-40B4-BE49-F238E27FC236}">
+                <a16:creationId xmlns:a16="http://schemas.microsoft.com/office/drawing/2014/main" id="{B5EFEFE8-2BA8-49B5-834C-B30B82E21059}"/>
+              </a:ext>
+            </a:extLst>
+          </p:cNvPr>
+          <p:cNvSpPr txBox="1"/>
+          <p:nvPr/>
+        </p:nvSpPr>
+        <p:spPr>
+          <a:xfrm>
+            <a:off x="1721087" y="1113953"/>
+            <a:ext cx="2780826" cy="523220"/>
+          </a:xfrm>
+          <a:prstGeom prst="rect">
+            <a:avLst/>
+          </a:prstGeom>
+          <a:noFill/>
+        </p:spPr>
+        <p:txBody>
+          <a:bodyPr wrap="none" rtlCol="0">
+            <a:spAutoFit/>
+          </a:bodyPr>
+          <a:lstStyle/>
+          <a:p>
+            <a:pPr algn="ctr"/>
+            <a:r>
+              <a:rPr lang="en-US" sz="2800" dirty="0"/>
+              <a:t>Lowest point 32.5</a:t>
+            </a:r>
+          </a:p>
+        </p:txBody>
+      </p:sp>
+      <p:sp>
+        <p:nvSpPr>
+          <p:cNvPr id="6" name="TextBox 5">
+            <a:extLst>
+              <a:ext uri="{FF2B5EF4-FFF2-40B4-BE49-F238E27FC236}">
+                <a16:creationId xmlns:a16="http://schemas.microsoft.com/office/drawing/2014/main" id="{DCBC0F18-8E6A-4CE9-934B-A937642E50A4}"/>
+              </a:ext>
+            </a:extLst>
+          </p:cNvPr>
+          <p:cNvSpPr txBox="1"/>
+          <p:nvPr/>
+        </p:nvSpPr>
+        <p:spPr>
+          <a:xfrm>
+            <a:off x="7562777" y="1206173"/>
+            <a:ext cx="3035446" cy="523220"/>
+          </a:xfrm>
+          <a:prstGeom prst="rect">
+            <a:avLst/>
+          </a:prstGeom>
+          <a:noFill/>
+        </p:spPr>
+        <p:txBody>
+          <a:bodyPr wrap="none" rtlCol="0">
+            <a:spAutoFit/>
+          </a:bodyPr>
+          <a:lstStyle/>
+          <a:p>
+            <a:r>
+              <a:rPr lang="en-US" sz="2800" dirty="0"/>
+              <a:t>Highest point 910.2</a:t>
+            </a:r>
+          </a:p>
+        </p:txBody>
+      </p:sp>
+      <p:pic>
+        <p:nvPicPr>
+          <p:cNvPr id="4" name="Picture 3">
+            <a:extLst>
+              <a:ext uri="{FF2B5EF4-FFF2-40B4-BE49-F238E27FC236}">
+                <a16:creationId xmlns:a16="http://schemas.microsoft.com/office/drawing/2014/main" id="{124C944A-0E38-46D6-963A-B22D247AFBCB}"/>
+              </a:ext>
+            </a:extLst>
+          </p:cNvPr>
+          <p:cNvPicPr>
+            <a:picLocks noChangeAspect="1"/>
+          </p:cNvPicPr>
+          <p:nvPr/>
+        </p:nvPicPr>
+        <p:blipFill>
+          <a:blip r:embed="rId3">
+            <a:extLst>
+              <a:ext uri="{28A0092B-C50C-407E-A947-70E740481C1C}">
+                <a14:useLocalDpi xmlns:a14="http://schemas.microsoft.com/office/drawing/2010/main" val="0"/>
+              </a:ext>
+            </a:extLst>
+          </a:blip>
+          <a:srcRect/>
+          <a:stretch/>
+        </p:blipFill>
+        <p:spPr>
+          <a:xfrm>
+            <a:off x="6223000" y="2004677"/>
+            <a:ext cx="5715000" cy="3810000"/>
+          </a:xfrm>
+          <a:prstGeom prst="rect">
+            <a:avLst/>
+          </a:prstGeom>
+        </p:spPr>
+      </p:pic>
+      <p:pic>
+        <p:nvPicPr>
+          <p:cNvPr id="9" name="Picture 8">
+            <a:extLst>
+              <a:ext uri="{FF2B5EF4-FFF2-40B4-BE49-F238E27FC236}">
+                <a16:creationId xmlns:a16="http://schemas.microsoft.com/office/drawing/2014/main" id="{C68408FD-E86F-4F29-BFCC-824EB9695EC4}"/>
+              </a:ext>
+            </a:extLst>
+          </p:cNvPr>
+          <p:cNvPicPr>
+            <a:picLocks noChangeAspect="1"/>
+          </p:cNvPicPr>
+          <p:nvPr/>
+        </p:nvPicPr>
+        <p:blipFill>
+          <a:blip r:embed="rId4">
+            <a:extLst>
+              <a:ext uri="{28A0092B-C50C-407E-A947-70E740481C1C}">
+                <a14:useLocalDpi xmlns:a14="http://schemas.microsoft.com/office/drawing/2010/main" val="0"/>
+              </a:ext>
+            </a:extLst>
+          </a:blip>
+          <a:srcRect/>
+          <a:stretch/>
+        </p:blipFill>
+        <p:spPr>
+          <a:xfrm>
+            <a:off x="254000" y="2004677"/>
+            <a:ext cx="5715000" cy="3810000"/>
+          </a:xfrm>
+          <a:prstGeom prst="rect">
+            <a:avLst/>
+          </a:prstGeom>
+        </p:spPr>
+      </p:pic>
+    </p:spTree>
+    <p:extLst>
+      <p:ext uri="{BB962C8B-B14F-4D97-AF65-F5344CB8AC3E}">
+        <p14:creationId xmlns:p14="http://schemas.microsoft.com/office/powerpoint/2010/main" val="1649422602"/>
       </p:ext>
     </p:extLst>
   </p:cSld>

--- a/Future presentation update.pptx
+++ b/Future presentation update.pptx
@@ -5,7 +5,7 @@
     <p:sldMasterId id="2147483648" r:id="rId1"/>
   </p:sldMasterIdLst>
   <p:notesMasterIdLst>
-    <p:notesMasterId r:id="rId26"/>
+    <p:notesMasterId r:id="rId28"/>
   </p:notesMasterIdLst>
   <p:sldIdLst>
     <p:sldId id="275" r:id="rId2"/>
@@ -32,6 +32,8 @@
     <p:sldId id="288" r:id="rId23"/>
     <p:sldId id="287" r:id="rId24"/>
     <p:sldId id="289" r:id="rId25"/>
+    <p:sldId id="290" r:id="rId26"/>
+    <p:sldId id="291" r:id="rId27"/>
   </p:sldIdLst>
   <p:sldSz cx="12192000" cy="6858000"/>
   <p:notesSz cx="6858000" cy="9144000"/>
@@ -231,7 +233,7 @@
           <a:p>
             <a:fld id="{D89C509C-F59B-43AF-A9EE-F3A414EAAE56}" type="datetimeFigureOut">
               <a:rPr lang="en-US" smtClean="0"/>
-              <a:t>6/6/2022</a:t>
+              <a:t>6/7/2022</a:t>
             </a:fld>
             <a:endParaRPr lang="en-US"/>
           </a:p>
@@ -582,6 +584,174 @@
 </p:notes>
 </file>
 
+<file path=ppt/notesSlides/notesSlide10.xml><?xml version="1.0" encoding="utf-8"?>
+<p:notes xmlns:a="http://schemas.openxmlformats.org/drawingml/2006/main" xmlns:r="http://schemas.openxmlformats.org/officeDocument/2006/relationships" xmlns:p="http://schemas.openxmlformats.org/presentationml/2006/main">
+  <p:cSld>
+    <p:spTree>
+      <p:nvGrpSpPr>
+        <p:cNvPr id="1" name=""/>
+        <p:cNvGrpSpPr/>
+        <p:nvPr/>
+      </p:nvGrpSpPr>
+      <p:grpSpPr>
+        <a:xfrm>
+          <a:off x="0" y="0"/>
+          <a:ext cx="0" cy="0"/>
+          <a:chOff x="0" y="0"/>
+          <a:chExt cx="0" cy="0"/>
+        </a:xfrm>
+      </p:grpSpPr>
+      <p:sp>
+        <p:nvSpPr>
+          <p:cNvPr id="2" name="Slide Image Placeholder 1"/>
+          <p:cNvSpPr>
+            <a:spLocks noGrp="1" noRot="1" noChangeAspect="1"/>
+          </p:cNvSpPr>
+          <p:nvPr>
+            <p:ph type="sldImg"/>
+          </p:nvPr>
+        </p:nvSpPr>
+        <p:spPr/>
+      </p:sp>
+      <p:sp>
+        <p:nvSpPr>
+          <p:cNvPr id="3" name="Notes Placeholder 2"/>
+          <p:cNvSpPr>
+            <a:spLocks noGrp="1"/>
+          </p:cNvSpPr>
+          <p:nvPr>
+            <p:ph type="body" idx="1"/>
+          </p:nvPr>
+        </p:nvSpPr>
+        <p:spPr/>
+        <p:txBody>
+          <a:bodyPr/>
+          <a:lstStyle/>
+          <a:p>
+            <a:endParaRPr lang="en-US" dirty="0"/>
+          </a:p>
+        </p:txBody>
+      </p:sp>
+      <p:sp>
+        <p:nvSpPr>
+          <p:cNvPr id="4" name="Slide Number Placeholder 3"/>
+          <p:cNvSpPr>
+            <a:spLocks noGrp="1"/>
+          </p:cNvSpPr>
+          <p:nvPr>
+            <p:ph type="sldNum" sz="quarter" idx="5"/>
+          </p:nvPr>
+        </p:nvSpPr>
+        <p:spPr/>
+        <p:txBody>
+          <a:bodyPr/>
+          <a:lstStyle/>
+          <a:p>
+            <a:fld id="{1FFC93A7-B1F3-454A-A230-F9074DA5B0F9}" type="slidenum">
+              <a:rPr lang="en-US" smtClean="0"/>
+              <a:t>25</a:t>
+            </a:fld>
+            <a:endParaRPr lang="en-US"/>
+          </a:p>
+        </p:txBody>
+      </p:sp>
+    </p:spTree>
+    <p:extLst>
+      <p:ext uri="{BB962C8B-B14F-4D97-AF65-F5344CB8AC3E}">
+        <p14:creationId xmlns:p14="http://schemas.microsoft.com/office/powerpoint/2010/main" val="3610269085"/>
+      </p:ext>
+    </p:extLst>
+  </p:cSld>
+  <p:clrMapOvr>
+    <a:masterClrMapping/>
+  </p:clrMapOvr>
+</p:notes>
+</file>
+
+<file path=ppt/notesSlides/notesSlide11.xml><?xml version="1.0" encoding="utf-8"?>
+<p:notes xmlns:a="http://schemas.openxmlformats.org/drawingml/2006/main" xmlns:r="http://schemas.openxmlformats.org/officeDocument/2006/relationships" xmlns:p="http://schemas.openxmlformats.org/presentationml/2006/main">
+  <p:cSld>
+    <p:spTree>
+      <p:nvGrpSpPr>
+        <p:cNvPr id="1" name=""/>
+        <p:cNvGrpSpPr/>
+        <p:nvPr/>
+      </p:nvGrpSpPr>
+      <p:grpSpPr>
+        <a:xfrm>
+          <a:off x="0" y="0"/>
+          <a:ext cx="0" cy="0"/>
+          <a:chOff x="0" y="0"/>
+          <a:chExt cx="0" cy="0"/>
+        </a:xfrm>
+      </p:grpSpPr>
+      <p:sp>
+        <p:nvSpPr>
+          <p:cNvPr id="2" name="Slide Image Placeholder 1"/>
+          <p:cNvSpPr>
+            <a:spLocks noGrp="1" noRot="1" noChangeAspect="1"/>
+          </p:cNvSpPr>
+          <p:nvPr>
+            <p:ph type="sldImg"/>
+          </p:nvPr>
+        </p:nvSpPr>
+        <p:spPr/>
+      </p:sp>
+      <p:sp>
+        <p:nvSpPr>
+          <p:cNvPr id="3" name="Notes Placeholder 2"/>
+          <p:cNvSpPr>
+            <a:spLocks noGrp="1"/>
+          </p:cNvSpPr>
+          <p:nvPr>
+            <p:ph type="body" idx="1"/>
+          </p:nvPr>
+        </p:nvSpPr>
+        <p:spPr/>
+        <p:txBody>
+          <a:bodyPr/>
+          <a:lstStyle/>
+          <a:p>
+            <a:endParaRPr lang="en-US" dirty="0"/>
+          </a:p>
+        </p:txBody>
+      </p:sp>
+      <p:sp>
+        <p:nvSpPr>
+          <p:cNvPr id="4" name="Slide Number Placeholder 3"/>
+          <p:cNvSpPr>
+            <a:spLocks noGrp="1"/>
+          </p:cNvSpPr>
+          <p:nvPr>
+            <p:ph type="sldNum" sz="quarter" idx="5"/>
+          </p:nvPr>
+        </p:nvSpPr>
+        <p:spPr/>
+        <p:txBody>
+          <a:bodyPr/>
+          <a:lstStyle/>
+          <a:p>
+            <a:fld id="{1FFC93A7-B1F3-454A-A230-F9074DA5B0F9}" type="slidenum">
+              <a:rPr lang="en-US" smtClean="0"/>
+              <a:t>26</a:t>
+            </a:fld>
+            <a:endParaRPr lang="en-US"/>
+          </a:p>
+        </p:txBody>
+      </p:sp>
+    </p:spTree>
+    <p:extLst>
+      <p:ext uri="{BB962C8B-B14F-4D97-AF65-F5344CB8AC3E}">
+        <p14:creationId xmlns:p14="http://schemas.microsoft.com/office/powerpoint/2010/main" val="4197404588"/>
+      </p:ext>
+    </p:extLst>
+  </p:cSld>
+  <p:clrMapOvr>
+    <a:masterClrMapping/>
+  </p:clrMapOvr>
+</p:notes>
+</file>
+
 <file path=ppt/notesSlides/notesSlide2.xml><?xml version="1.0" encoding="utf-8"?>
 <p:notes xmlns:a="http://schemas.openxmlformats.org/drawingml/2006/main" xmlns:r="http://schemas.openxmlformats.org/officeDocument/2006/relationships" xmlns:p="http://schemas.openxmlformats.org/presentationml/2006/main">
   <p:cSld>
@@ -1481,7 +1651,7 @@
           <a:p>
             <a:fld id="{C0000475-B398-4327-8963-A9A1B862D0B5}" type="datetimeFigureOut">
               <a:rPr lang="en-US" smtClean="0"/>
-              <a:t>6/6/2022</a:t>
+              <a:t>6/7/2022</a:t>
             </a:fld>
             <a:endParaRPr lang="en-US"/>
           </a:p>
@@ -1679,7 +1849,7 @@
           <a:p>
             <a:fld id="{C0000475-B398-4327-8963-A9A1B862D0B5}" type="datetimeFigureOut">
               <a:rPr lang="en-US" smtClean="0"/>
-              <a:t>6/6/2022</a:t>
+              <a:t>6/7/2022</a:t>
             </a:fld>
             <a:endParaRPr lang="en-US"/>
           </a:p>
@@ -1887,7 +2057,7 @@
           <a:p>
             <a:fld id="{C0000475-B398-4327-8963-A9A1B862D0B5}" type="datetimeFigureOut">
               <a:rPr lang="en-US" smtClean="0"/>
-              <a:t>6/6/2022</a:t>
+              <a:t>6/7/2022</a:t>
             </a:fld>
             <a:endParaRPr lang="en-US"/>
           </a:p>
@@ -2085,7 +2255,7 @@
           <a:p>
             <a:fld id="{C0000475-B398-4327-8963-A9A1B862D0B5}" type="datetimeFigureOut">
               <a:rPr lang="en-US" smtClean="0"/>
-              <a:t>6/6/2022</a:t>
+              <a:t>6/7/2022</a:t>
             </a:fld>
             <a:endParaRPr lang="en-US"/>
           </a:p>
@@ -2360,7 +2530,7 @@
           <a:p>
             <a:fld id="{C0000475-B398-4327-8963-A9A1B862D0B5}" type="datetimeFigureOut">
               <a:rPr lang="en-US" smtClean="0"/>
-              <a:t>6/6/2022</a:t>
+              <a:t>6/7/2022</a:t>
             </a:fld>
             <a:endParaRPr lang="en-US"/>
           </a:p>
@@ -2625,7 +2795,7 @@
           <a:p>
             <a:fld id="{C0000475-B398-4327-8963-A9A1B862D0B5}" type="datetimeFigureOut">
               <a:rPr lang="en-US" smtClean="0"/>
-              <a:t>6/6/2022</a:t>
+              <a:t>6/7/2022</a:t>
             </a:fld>
             <a:endParaRPr lang="en-US"/>
           </a:p>
@@ -3037,7 +3207,7 @@
           <a:p>
             <a:fld id="{C0000475-B398-4327-8963-A9A1B862D0B5}" type="datetimeFigureOut">
               <a:rPr lang="en-US" smtClean="0"/>
-              <a:t>6/6/2022</a:t>
+              <a:t>6/7/2022</a:t>
             </a:fld>
             <a:endParaRPr lang="en-US"/>
           </a:p>
@@ -3178,7 +3348,7 @@
           <a:p>
             <a:fld id="{C0000475-B398-4327-8963-A9A1B862D0B5}" type="datetimeFigureOut">
               <a:rPr lang="en-US" smtClean="0"/>
-              <a:t>6/6/2022</a:t>
+              <a:t>6/7/2022</a:t>
             </a:fld>
             <a:endParaRPr lang="en-US"/>
           </a:p>
@@ -3291,7 +3461,7 @@
           <a:p>
             <a:fld id="{C0000475-B398-4327-8963-A9A1B862D0B5}" type="datetimeFigureOut">
               <a:rPr lang="en-US" smtClean="0"/>
-              <a:t>6/6/2022</a:t>
+              <a:t>6/7/2022</a:t>
             </a:fld>
             <a:endParaRPr lang="en-US"/>
           </a:p>
@@ -3602,7 +3772,7 @@
           <a:p>
             <a:fld id="{C0000475-B398-4327-8963-A9A1B862D0B5}" type="datetimeFigureOut">
               <a:rPr lang="en-US" smtClean="0"/>
-              <a:t>6/6/2022</a:t>
+              <a:t>6/7/2022</a:t>
             </a:fld>
             <a:endParaRPr lang="en-US"/>
           </a:p>
@@ -3890,7 +4060,7 @@
           <a:p>
             <a:fld id="{C0000475-B398-4327-8963-A9A1B862D0B5}" type="datetimeFigureOut">
               <a:rPr lang="en-US" smtClean="0"/>
-              <a:t>6/6/2022</a:t>
+              <a:t>6/7/2022</a:t>
             </a:fld>
             <a:endParaRPr lang="en-US"/>
           </a:p>
@@ -4142,7 +4312,7 @@
           <a:p>
             <a:fld id="{C0000475-B398-4327-8963-A9A1B862D0B5}" type="datetimeFigureOut">
               <a:rPr lang="en-US" smtClean="0"/>
-              <a:t>6/6/2022</a:t>
+              <a:t>6/7/2022</a:t>
             </a:fld>
             <a:endParaRPr lang="en-US"/>
           </a:p>
@@ -13282,7 +13452,7 @@
           <a:p>
             <a:r>
               <a:rPr lang="en-US" sz="2400" dirty="0"/>
-              <a:t>Cross validation 5-fold average = 0.71</a:t>
+              <a:t>Cross validation 5-fold average = 0.70</a:t>
             </a:r>
           </a:p>
         </p:txBody>
@@ -15862,7 +16032,7 @@
                   <a:schemeClr val="tx2"/>
                 </a:solidFill>
               </a:rPr>
-              <a:t>Amide- </a:t>
+              <a:t>Amide </a:t>
             </a:r>
             <a:r>
               <a:rPr lang="en-US" sz="3200" dirty="0" err="1">
@@ -15919,7 +16089,7 @@
             <a:pPr algn="ctr"/>
             <a:r>
               <a:rPr lang="en-US" sz="2800" dirty="0"/>
-              <a:t>Lowest point 255.8</a:t>
+              <a:t>Lowest point 255.6</a:t>
             </a:r>
           </a:p>
         </p:txBody>
@@ -16294,6 +16464,524 @@
     <p:extLst>
       <p:ext uri="{BB962C8B-B14F-4D97-AF65-F5344CB8AC3E}">
         <p14:creationId xmlns:p14="http://schemas.microsoft.com/office/powerpoint/2010/main" val="1649422602"/>
+      </p:ext>
+    </p:extLst>
+  </p:cSld>
+  <p:clrMapOvr>
+    <a:masterClrMapping/>
+  </p:clrMapOvr>
+</p:sld>
+</file>
+
+<file path=ppt/slides/slide25.xml><?xml version="1.0" encoding="utf-8"?>
+<p:sld xmlns:a="http://schemas.openxmlformats.org/drawingml/2006/main" xmlns:r="http://schemas.openxmlformats.org/officeDocument/2006/relationships" xmlns:p="http://schemas.openxmlformats.org/presentationml/2006/main">
+  <p:cSld>
+    <p:spTree>
+      <p:nvGrpSpPr>
+        <p:cNvPr id="1" name=""/>
+        <p:cNvGrpSpPr/>
+        <p:nvPr/>
+      </p:nvGrpSpPr>
+      <p:grpSpPr>
+        <a:xfrm>
+          <a:off x="0" y="0"/>
+          <a:ext cx="0" cy="0"/>
+          <a:chOff x="0" y="0"/>
+          <a:chExt cx="0" cy="0"/>
+        </a:xfrm>
+      </p:grpSpPr>
+      <p:sp>
+        <p:nvSpPr>
+          <p:cNvPr id="8" name="Rectangle 7">
+            <a:extLst>
+              <a:ext uri="{FF2B5EF4-FFF2-40B4-BE49-F238E27FC236}">
+                <a16:creationId xmlns:a16="http://schemas.microsoft.com/office/drawing/2014/main" id="{28AF59DB-4F9D-47B1-A0E4-86FCD58D7CF5}"/>
+              </a:ext>
+            </a:extLst>
+          </p:cNvPr>
+          <p:cNvSpPr/>
+          <p:nvPr/>
+        </p:nvSpPr>
+        <p:spPr>
+          <a:xfrm>
+            <a:off x="0" y="0"/>
+            <a:ext cx="12192000" cy="746449"/>
+          </a:xfrm>
+          <a:prstGeom prst="rect">
+            <a:avLst/>
+          </a:prstGeom>
+          <a:pattFill prst="pct70">
+            <a:fgClr>
+              <a:schemeClr val="accent6">
+                <a:lumMod val="60000"/>
+                <a:lumOff val="40000"/>
+              </a:schemeClr>
+            </a:fgClr>
+            <a:bgClr>
+              <a:schemeClr val="bg1"/>
+            </a:bgClr>
+          </a:pattFill>
+          <a:ln>
+            <a:noFill/>
+          </a:ln>
+        </p:spPr>
+        <p:style>
+          <a:lnRef idx="2">
+            <a:schemeClr val="accent1">
+              <a:shade val="50000"/>
+            </a:schemeClr>
+          </a:lnRef>
+          <a:fillRef idx="1">
+            <a:schemeClr val="accent1"/>
+          </a:fillRef>
+          <a:effectRef idx="0">
+            <a:schemeClr val="accent1"/>
+          </a:effectRef>
+          <a:fontRef idx="minor">
+            <a:schemeClr val="lt1"/>
+          </a:fontRef>
+        </p:style>
+        <p:txBody>
+          <a:bodyPr rtlCol="0" anchor="ctr"/>
+          <a:lstStyle/>
+          <a:p>
+            <a:pPr algn="ctr"/>
+            <a:r>
+              <a:rPr lang="en-US" sz="3200" dirty="0">
+                <a:solidFill>
+                  <a:schemeClr val="tx2"/>
+                </a:solidFill>
+              </a:rPr>
+              <a:t>Amide </a:t>
+            </a:r>
+            <a:r>
+              <a:rPr lang="en-US" sz="3200" dirty="0" err="1">
+                <a:solidFill>
+                  <a:schemeClr val="tx2"/>
+                </a:solidFill>
+              </a:rPr>
+              <a:t>LoHi</a:t>
+            </a:r>
+            <a:r>
+              <a:rPr lang="en-US" sz="3200" dirty="0">
+                <a:solidFill>
+                  <a:schemeClr val="tx2"/>
+                </a:solidFill>
+              </a:rPr>
+              <a:t> Boxplots</a:t>
+            </a:r>
+            <a:endParaRPr lang="en-US" sz="3200" i="1" dirty="0">
+              <a:solidFill>
+                <a:schemeClr val="tx2"/>
+              </a:solidFill>
+            </a:endParaRPr>
+          </a:p>
+        </p:txBody>
+      </p:sp>
+      <p:sp>
+        <p:nvSpPr>
+          <p:cNvPr id="2" name="TextBox 1">
+            <a:extLst>
+              <a:ext uri="{FF2B5EF4-FFF2-40B4-BE49-F238E27FC236}">
+                <a16:creationId xmlns:a16="http://schemas.microsoft.com/office/drawing/2014/main" id="{B5EFEFE8-2BA8-49B5-834C-B30B82E21059}"/>
+              </a:ext>
+            </a:extLst>
+          </p:cNvPr>
+          <p:cNvSpPr txBox="1"/>
+          <p:nvPr/>
+        </p:nvSpPr>
+        <p:spPr>
+          <a:xfrm>
+            <a:off x="1629716" y="1113953"/>
+            <a:ext cx="2963568" cy="523220"/>
+          </a:xfrm>
+          <a:prstGeom prst="rect">
+            <a:avLst/>
+          </a:prstGeom>
+          <a:noFill/>
+        </p:spPr>
+        <p:txBody>
+          <a:bodyPr wrap="none" rtlCol="0">
+            <a:spAutoFit/>
+          </a:bodyPr>
+          <a:lstStyle/>
+          <a:p>
+            <a:pPr algn="ctr"/>
+            <a:r>
+              <a:rPr lang="en-US" sz="2800" dirty="0"/>
+              <a:t>Lowest point 255.6</a:t>
+            </a:r>
+          </a:p>
+        </p:txBody>
+      </p:sp>
+      <p:sp>
+        <p:nvSpPr>
+          <p:cNvPr id="6" name="TextBox 5">
+            <a:extLst>
+              <a:ext uri="{FF2B5EF4-FFF2-40B4-BE49-F238E27FC236}">
+                <a16:creationId xmlns:a16="http://schemas.microsoft.com/office/drawing/2014/main" id="{DCBC0F18-8E6A-4CE9-934B-A937642E50A4}"/>
+              </a:ext>
+            </a:extLst>
+          </p:cNvPr>
+          <p:cNvSpPr txBox="1"/>
+          <p:nvPr/>
+        </p:nvSpPr>
+        <p:spPr>
+          <a:xfrm>
+            <a:off x="7562777" y="1206173"/>
+            <a:ext cx="3035446" cy="523220"/>
+          </a:xfrm>
+          <a:prstGeom prst="rect">
+            <a:avLst/>
+          </a:prstGeom>
+          <a:noFill/>
+        </p:spPr>
+        <p:txBody>
+          <a:bodyPr wrap="none" rtlCol="0">
+            <a:spAutoFit/>
+          </a:bodyPr>
+          <a:lstStyle/>
+          <a:p>
+            <a:r>
+              <a:rPr lang="en-US" sz="2800" dirty="0"/>
+              <a:t>Highest point 968.9</a:t>
+            </a:r>
+          </a:p>
+        </p:txBody>
+      </p:sp>
+      <p:pic>
+        <p:nvPicPr>
+          <p:cNvPr id="4" name="Picture 3">
+            <a:extLst>
+              <a:ext uri="{FF2B5EF4-FFF2-40B4-BE49-F238E27FC236}">
+                <a16:creationId xmlns:a16="http://schemas.microsoft.com/office/drawing/2014/main" id="{124C944A-0E38-46D6-963A-B22D247AFBCB}"/>
+              </a:ext>
+            </a:extLst>
+          </p:cNvPr>
+          <p:cNvPicPr>
+            <a:picLocks noChangeAspect="1"/>
+          </p:cNvPicPr>
+          <p:nvPr/>
+        </p:nvPicPr>
+        <p:blipFill>
+          <a:blip r:embed="rId3">
+            <a:extLst>
+              <a:ext uri="{28A0092B-C50C-407E-A947-70E740481C1C}">
+                <a14:useLocalDpi xmlns:a14="http://schemas.microsoft.com/office/drawing/2010/main" val="0"/>
+              </a:ext>
+            </a:extLst>
+          </a:blip>
+          <a:srcRect/>
+          <a:stretch/>
+        </p:blipFill>
+        <p:spPr>
+          <a:xfrm>
+            <a:off x="254000" y="2004677"/>
+            <a:ext cx="5715000" cy="3810000"/>
+          </a:xfrm>
+          <a:prstGeom prst="rect">
+            <a:avLst/>
+          </a:prstGeom>
+        </p:spPr>
+      </p:pic>
+      <p:pic>
+        <p:nvPicPr>
+          <p:cNvPr id="9" name="Picture 8">
+            <a:extLst>
+              <a:ext uri="{FF2B5EF4-FFF2-40B4-BE49-F238E27FC236}">
+                <a16:creationId xmlns:a16="http://schemas.microsoft.com/office/drawing/2014/main" id="{C68408FD-E86F-4F29-BFCC-824EB9695EC4}"/>
+              </a:ext>
+            </a:extLst>
+          </p:cNvPr>
+          <p:cNvPicPr>
+            <a:picLocks noChangeAspect="1"/>
+          </p:cNvPicPr>
+          <p:nvPr/>
+        </p:nvPicPr>
+        <p:blipFill>
+          <a:blip r:embed="rId4">
+            <a:extLst>
+              <a:ext uri="{28A0092B-C50C-407E-A947-70E740481C1C}">
+                <a14:useLocalDpi xmlns:a14="http://schemas.microsoft.com/office/drawing/2010/main" val="0"/>
+              </a:ext>
+            </a:extLst>
+          </a:blip>
+          <a:srcRect/>
+          <a:stretch/>
+        </p:blipFill>
+        <p:spPr>
+          <a:xfrm>
+            <a:off x="6223002" y="2004677"/>
+            <a:ext cx="5715000" cy="3810000"/>
+          </a:xfrm>
+          <a:prstGeom prst="rect">
+            <a:avLst/>
+          </a:prstGeom>
+        </p:spPr>
+      </p:pic>
+    </p:spTree>
+    <p:extLst>
+      <p:ext uri="{BB962C8B-B14F-4D97-AF65-F5344CB8AC3E}">
+        <p14:creationId xmlns:p14="http://schemas.microsoft.com/office/powerpoint/2010/main" val="1322119850"/>
+      </p:ext>
+    </p:extLst>
+  </p:cSld>
+  <p:clrMapOvr>
+    <a:masterClrMapping/>
+  </p:clrMapOvr>
+</p:sld>
+</file>
+
+<file path=ppt/slides/slide26.xml><?xml version="1.0" encoding="utf-8"?>
+<p:sld xmlns:a="http://schemas.openxmlformats.org/drawingml/2006/main" xmlns:r="http://schemas.openxmlformats.org/officeDocument/2006/relationships" xmlns:p="http://schemas.openxmlformats.org/presentationml/2006/main">
+  <p:cSld>
+    <p:spTree>
+      <p:nvGrpSpPr>
+        <p:cNvPr id="1" name=""/>
+        <p:cNvGrpSpPr/>
+        <p:nvPr/>
+      </p:nvGrpSpPr>
+      <p:grpSpPr>
+        <a:xfrm>
+          <a:off x="0" y="0"/>
+          <a:ext cx="0" cy="0"/>
+          <a:chOff x="0" y="0"/>
+          <a:chExt cx="0" cy="0"/>
+        </a:xfrm>
+      </p:grpSpPr>
+      <p:sp>
+        <p:nvSpPr>
+          <p:cNvPr id="8" name="Rectangle 7">
+            <a:extLst>
+              <a:ext uri="{FF2B5EF4-FFF2-40B4-BE49-F238E27FC236}">
+                <a16:creationId xmlns:a16="http://schemas.microsoft.com/office/drawing/2014/main" id="{28AF59DB-4F9D-47B1-A0E4-86FCD58D7CF5}"/>
+              </a:ext>
+            </a:extLst>
+          </p:cNvPr>
+          <p:cNvSpPr/>
+          <p:nvPr/>
+        </p:nvSpPr>
+        <p:spPr>
+          <a:xfrm>
+            <a:off x="0" y="0"/>
+            <a:ext cx="12192000" cy="746449"/>
+          </a:xfrm>
+          <a:prstGeom prst="rect">
+            <a:avLst/>
+          </a:prstGeom>
+          <a:pattFill prst="pct70">
+            <a:fgClr>
+              <a:schemeClr val="accent6">
+                <a:lumMod val="60000"/>
+                <a:lumOff val="40000"/>
+              </a:schemeClr>
+            </a:fgClr>
+            <a:bgClr>
+              <a:schemeClr val="bg1"/>
+            </a:bgClr>
+          </a:pattFill>
+          <a:ln>
+            <a:noFill/>
+          </a:ln>
+        </p:spPr>
+        <p:style>
+          <a:lnRef idx="2">
+            <a:schemeClr val="accent1">
+              <a:shade val="50000"/>
+            </a:schemeClr>
+          </a:lnRef>
+          <a:fillRef idx="1">
+            <a:schemeClr val="accent1"/>
+          </a:fillRef>
+          <a:effectRef idx="0">
+            <a:schemeClr val="accent1"/>
+          </a:effectRef>
+          <a:fontRef idx="minor">
+            <a:schemeClr val="lt1"/>
+          </a:fontRef>
+        </p:style>
+        <p:txBody>
+          <a:bodyPr rtlCol="0" anchor="ctr"/>
+          <a:lstStyle/>
+          <a:p>
+            <a:pPr algn="ctr"/>
+            <a:r>
+              <a:rPr lang="en-US" sz="3200" dirty="0">
+                <a:solidFill>
+                  <a:schemeClr val="tx2"/>
+                </a:solidFill>
+              </a:rPr>
+              <a:t>Greek </a:t>
+            </a:r>
+            <a:r>
+              <a:rPr lang="en-US" sz="3200" dirty="0" err="1">
+                <a:solidFill>
+                  <a:schemeClr val="tx2"/>
+                </a:solidFill>
+              </a:rPr>
+              <a:t>LoHi</a:t>
+            </a:r>
+            <a:r>
+              <a:rPr lang="en-US" sz="3200" dirty="0">
+                <a:solidFill>
+                  <a:schemeClr val="tx2"/>
+                </a:solidFill>
+              </a:rPr>
+              <a:t> Boxplots</a:t>
+            </a:r>
+            <a:endParaRPr lang="en-US" sz="3200" i="1" dirty="0">
+              <a:solidFill>
+                <a:schemeClr val="tx2"/>
+              </a:solidFill>
+            </a:endParaRPr>
+          </a:p>
+        </p:txBody>
+      </p:sp>
+      <p:sp>
+        <p:nvSpPr>
+          <p:cNvPr id="2" name="TextBox 1">
+            <a:extLst>
+              <a:ext uri="{FF2B5EF4-FFF2-40B4-BE49-F238E27FC236}">
+                <a16:creationId xmlns:a16="http://schemas.microsoft.com/office/drawing/2014/main" id="{B5EFEFE8-2BA8-49B5-834C-B30B82E21059}"/>
+              </a:ext>
+            </a:extLst>
+          </p:cNvPr>
+          <p:cNvSpPr txBox="1"/>
+          <p:nvPr/>
+        </p:nvSpPr>
+        <p:spPr>
+          <a:xfrm>
+            <a:off x="1721087" y="1113953"/>
+            <a:ext cx="2780826" cy="523220"/>
+          </a:xfrm>
+          <a:prstGeom prst="rect">
+            <a:avLst/>
+          </a:prstGeom>
+          <a:noFill/>
+        </p:spPr>
+        <p:txBody>
+          <a:bodyPr wrap="none" rtlCol="0">
+            <a:spAutoFit/>
+          </a:bodyPr>
+          <a:lstStyle/>
+          <a:p>
+            <a:pPr algn="ctr"/>
+            <a:r>
+              <a:rPr lang="en-US" sz="2800" dirty="0"/>
+              <a:t>Lowest point 32.5</a:t>
+            </a:r>
+          </a:p>
+        </p:txBody>
+      </p:sp>
+      <p:sp>
+        <p:nvSpPr>
+          <p:cNvPr id="6" name="TextBox 5">
+            <a:extLst>
+              <a:ext uri="{FF2B5EF4-FFF2-40B4-BE49-F238E27FC236}">
+                <a16:creationId xmlns:a16="http://schemas.microsoft.com/office/drawing/2014/main" id="{DCBC0F18-8E6A-4CE9-934B-A937642E50A4}"/>
+              </a:ext>
+            </a:extLst>
+          </p:cNvPr>
+          <p:cNvSpPr txBox="1"/>
+          <p:nvPr/>
+        </p:nvSpPr>
+        <p:spPr>
+          <a:xfrm>
+            <a:off x="7562777" y="1206173"/>
+            <a:ext cx="3035446" cy="523220"/>
+          </a:xfrm>
+          <a:prstGeom prst="rect">
+            <a:avLst/>
+          </a:prstGeom>
+          <a:noFill/>
+        </p:spPr>
+        <p:txBody>
+          <a:bodyPr wrap="none" rtlCol="0">
+            <a:spAutoFit/>
+          </a:bodyPr>
+          <a:lstStyle/>
+          <a:p>
+            <a:r>
+              <a:rPr lang="en-US" sz="2800" dirty="0"/>
+              <a:t>Highest point 910.2</a:t>
+            </a:r>
+          </a:p>
+        </p:txBody>
+      </p:sp>
+      <p:pic>
+        <p:nvPicPr>
+          <p:cNvPr id="4" name="Picture 3">
+            <a:extLst>
+              <a:ext uri="{FF2B5EF4-FFF2-40B4-BE49-F238E27FC236}">
+                <a16:creationId xmlns:a16="http://schemas.microsoft.com/office/drawing/2014/main" id="{124C944A-0E38-46D6-963A-B22D247AFBCB}"/>
+              </a:ext>
+            </a:extLst>
+          </p:cNvPr>
+          <p:cNvPicPr>
+            <a:picLocks noChangeAspect="1"/>
+          </p:cNvPicPr>
+          <p:nvPr/>
+        </p:nvPicPr>
+        <p:blipFill>
+          <a:blip r:embed="rId3">
+            <a:extLst>
+              <a:ext uri="{28A0092B-C50C-407E-A947-70E740481C1C}">
+                <a14:useLocalDpi xmlns:a14="http://schemas.microsoft.com/office/drawing/2010/main" val="0"/>
+              </a:ext>
+            </a:extLst>
+          </a:blip>
+          <a:srcRect/>
+          <a:stretch/>
+        </p:blipFill>
+        <p:spPr>
+          <a:xfrm>
+            <a:off x="6223000" y="2004677"/>
+            <a:ext cx="5715000" cy="3810000"/>
+          </a:xfrm>
+          <a:prstGeom prst="rect">
+            <a:avLst/>
+          </a:prstGeom>
+        </p:spPr>
+      </p:pic>
+      <p:pic>
+        <p:nvPicPr>
+          <p:cNvPr id="9" name="Picture 8">
+            <a:extLst>
+              <a:ext uri="{FF2B5EF4-FFF2-40B4-BE49-F238E27FC236}">
+                <a16:creationId xmlns:a16="http://schemas.microsoft.com/office/drawing/2014/main" id="{C68408FD-E86F-4F29-BFCC-824EB9695EC4}"/>
+              </a:ext>
+            </a:extLst>
+          </p:cNvPr>
+          <p:cNvPicPr>
+            <a:picLocks noChangeAspect="1"/>
+          </p:cNvPicPr>
+          <p:nvPr/>
+        </p:nvPicPr>
+        <p:blipFill>
+          <a:blip r:embed="rId4">
+            <a:extLst>
+              <a:ext uri="{28A0092B-C50C-407E-A947-70E740481C1C}">
+                <a14:useLocalDpi xmlns:a14="http://schemas.microsoft.com/office/drawing/2010/main" val="0"/>
+              </a:ext>
+            </a:extLst>
+          </a:blip>
+          <a:srcRect/>
+          <a:stretch/>
+        </p:blipFill>
+        <p:spPr>
+          <a:xfrm>
+            <a:off x="254000" y="2004677"/>
+            <a:ext cx="5715000" cy="3810000"/>
+          </a:xfrm>
+          <a:prstGeom prst="rect">
+            <a:avLst/>
+          </a:prstGeom>
+        </p:spPr>
+      </p:pic>
+    </p:spTree>
+    <p:extLst>
+      <p:ext uri="{BB962C8B-B14F-4D97-AF65-F5344CB8AC3E}">
+        <p14:creationId xmlns:p14="http://schemas.microsoft.com/office/powerpoint/2010/main" val="4071867874"/>
       </p:ext>
     </p:extLst>
   </p:cSld>

--- a/Future presentation update.pptx
+++ b/Future presentation update.pptx
@@ -5,7 +5,7 @@
     <p:sldMasterId id="2147483648" r:id="rId1"/>
   </p:sldMasterIdLst>
   <p:notesMasterIdLst>
-    <p:notesMasterId r:id="rId28"/>
+    <p:notesMasterId r:id="rId31"/>
   </p:notesMasterIdLst>
   <p:sldIdLst>
     <p:sldId id="275" r:id="rId2"/>
@@ -34,6 +34,9 @@
     <p:sldId id="289" r:id="rId25"/>
     <p:sldId id="290" r:id="rId26"/>
     <p:sldId id="291" r:id="rId27"/>
+    <p:sldId id="293" r:id="rId28"/>
+    <p:sldId id="294" r:id="rId29"/>
+    <p:sldId id="295" r:id="rId30"/>
   </p:sldIdLst>
   <p:sldSz cx="12192000" cy="6858000"/>
   <p:notesSz cx="6858000" cy="9144000"/>
@@ -233,7 +236,7 @@
           <a:p>
             <a:fld id="{D89C509C-F59B-43AF-A9EE-F3A414EAAE56}" type="datetimeFigureOut">
               <a:rPr lang="en-US" smtClean="0"/>
-              <a:t>6/7/2022</a:t>
+              <a:t>6/8/2022</a:t>
             </a:fld>
             <a:endParaRPr lang="en-US"/>
           </a:p>
@@ -752,6 +755,258 @@
 </p:notes>
 </file>
 
+<file path=ppt/notesSlides/notesSlide12.xml><?xml version="1.0" encoding="utf-8"?>
+<p:notes xmlns:a="http://schemas.openxmlformats.org/drawingml/2006/main" xmlns:r="http://schemas.openxmlformats.org/officeDocument/2006/relationships" xmlns:p="http://schemas.openxmlformats.org/presentationml/2006/main">
+  <p:cSld>
+    <p:spTree>
+      <p:nvGrpSpPr>
+        <p:cNvPr id="1" name=""/>
+        <p:cNvGrpSpPr/>
+        <p:nvPr/>
+      </p:nvGrpSpPr>
+      <p:grpSpPr>
+        <a:xfrm>
+          <a:off x="0" y="0"/>
+          <a:ext cx="0" cy="0"/>
+          <a:chOff x="0" y="0"/>
+          <a:chExt cx="0" cy="0"/>
+        </a:xfrm>
+      </p:grpSpPr>
+      <p:sp>
+        <p:nvSpPr>
+          <p:cNvPr id="2" name="Slide Image Placeholder 1"/>
+          <p:cNvSpPr>
+            <a:spLocks noGrp="1" noRot="1" noChangeAspect="1"/>
+          </p:cNvSpPr>
+          <p:nvPr>
+            <p:ph type="sldImg"/>
+          </p:nvPr>
+        </p:nvSpPr>
+        <p:spPr/>
+      </p:sp>
+      <p:sp>
+        <p:nvSpPr>
+          <p:cNvPr id="3" name="Notes Placeholder 2"/>
+          <p:cNvSpPr>
+            <a:spLocks noGrp="1"/>
+          </p:cNvSpPr>
+          <p:nvPr>
+            <p:ph type="body" idx="1"/>
+          </p:nvPr>
+        </p:nvSpPr>
+        <p:spPr/>
+        <p:txBody>
+          <a:bodyPr/>
+          <a:lstStyle/>
+          <a:p>
+            <a:endParaRPr lang="en-US" dirty="0"/>
+          </a:p>
+        </p:txBody>
+      </p:sp>
+      <p:sp>
+        <p:nvSpPr>
+          <p:cNvPr id="4" name="Slide Number Placeholder 3"/>
+          <p:cNvSpPr>
+            <a:spLocks noGrp="1"/>
+          </p:cNvSpPr>
+          <p:nvPr>
+            <p:ph type="sldNum" sz="quarter" idx="5"/>
+          </p:nvPr>
+        </p:nvSpPr>
+        <p:spPr/>
+        <p:txBody>
+          <a:bodyPr/>
+          <a:lstStyle/>
+          <a:p>
+            <a:fld id="{1FFC93A7-B1F3-454A-A230-F9074DA5B0F9}" type="slidenum">
+              <a:rPr lang="en-US" smtClean="0"/>
+              <a:t>27</a:t>
+            </a:fld>
+            <a:endParaRPr lang="en-US"/>
+          </a:p>
+        </p:txBody>
+      </p:sp>
+    </p:spTree>
+    <p:extLst>
+      <p:ext uri="{BB962C8B-B14F-4D97-AF65-F5344CB8AC3E}">
+        <p14:creationId xmlns:p14="http://schemas.microsoft.com/office/powerpoint/2010/main" val="1127228575"/>
+      </p:ext>
+    </p:extLst>
+  </p:cSld>
+  <p:clrMapOvr>
+    <a:masterClrMapping/>
+  </p:clrMapOvr>
+</p:notes>
+</file>
+
+<file path=ppt/notesSlides/notesSlide13.xml><?xml version="1.0" encoding="utf-8"?>
+<p:notes xmlns:a="http://schemas.openxmlformats.org/drawingml/2006/main" xmlns:r="http://schemas.openxmlformats.org/officeDocument/2006/relationships" xmlns:p="http://schemas.openxmlformats.org/presentationml/2006/main">
+  <p:cSld>
+    <p:spTree>
+      <p:nvGrpSpPr>
+        <p:cNvPr id="1" name=""/>
+        <p:cNvGrpSpPr/>
+        <p:nvPr/>
+      </p:nvGrpSpPr>
+      <p:grpSpPr>
+        <a:xfrm>
+          <a:off x="0" y="0"/>
+          <a:ext cx="0" cy="0"/>
+          <a:chOff x="0" y="0"/>
+          <a:chExt cx="0" cy="0"/>
+        </a:xfrm>
+      </p:grpSpPr>
+      <p:sp>
+        <p:nvSpPr>
+          <p:cNvPr id="2" name="Slide Image Placeholder 1"/>
+          <p:cNvSpPr>
+            <a:spLocks noGrp="1" noRot="1" noChangeAspect="1"/>
+          </p:cNvSpPr>
+          <p:nvPr>
+            <p:ph type="sldImg"/>
+          </p:nvPr>
+        </p:nvSpPr>
+        <p:spPr/>
+      </p:sp>
+      <p:sp>
+        <p:nvSpPr>
+          <p:cNvPr id="3" name="Notes Placeholder 2"/>
+          <p:cNvSpPr>
+            <a:spLocks noGrp="1"/>
+          </p:cNvSpPr>
+          <p:nvPr>
+            <p:ph type="body" idx="1"/>
+          </p:nvPr>
+        </p:nvSpPr>
+        <p:spPr/>
+        <p:txBody>
+          <a:bodyPr/>
+          <a:lstStyle/>
+          <a:p>
+            <a:endParaRPr lang="en-US" dirty="0"/>
+          </a:p>
+        </p:txBody>
+      </p:sp>
+      <p:sp>
+        <p:nvSpPr>
+          <p:cNvPr id="4" name="Slide Number Placeholder 3"/>
+          <p:cNvSpPr>
+            <a:spLocks noGrp="1"/>
+          </p:cNvSpPr>
+          <p:nvPr>
+            <p:ph type="sldNum" sz="quarter" idx="5"/>
+          </p:nvPr>
+        </p:nvSpPr>
+        <p:spPr/>
+        <p:txBody>
+          <a:bodyPr/>
+          <a:lstStyle/>
+          <a:p>
+            <a:fld id="{1FFC93A7-B1F3-454A-A230-F9074DA5B0F9}" type="slidenum">
+              <a:rPr lang="en-US" smtClean="0"/>
+              <a:t>28</a:t>
+            </a:fld>
+            <a:endParaRPr lang="en-US"/>
+          </a:p>
+        </p:txBody>
+      </p:sp>
+    </p:spTree>
+    <p:extLst>
+      <p:ext uri="{BB962C8B-B14F-4D97-AF65-F5344CB8AC3E}">
+        <p14:creationId xmlns:p14="http://schemas.microsoft.com/office/powerpoint/2010/main" val="3565669802"/>
+      </p:ext>
+    </p:extLst>
+  </p:cSld>
+  <p:clrMapOvr>
+    <a:masterClrMapping/>
+  </p:clrMapOvr>
+</p:notes>
+</file>
+
+<file path=ppt/notesSlides/notesSlide14.xml><?xml version="1.0" encoding="utf-8"?>
+<p:notes xmlns:a="http://schemas.openxmlformats.org/drawingml/2006/main" xmlns:r="http://schemas.openxmlformats.org/officeDocument/2006/relationships" xmlns:p="http://schemas.openxmlformats.org/presentationml/2006/main">
+  <p:cSld>
+    <p:spTree>
+      <p:nvGrpSpPr>
+        <p:cNvPr id="1" name=""/>
+        <p:cNvGrpSpPr/>
+        <p:nvPr/>
+      </p:nvGrpSpPr>
+      <p:grpSpPr>
+        <a:xfrm>
+          <a:off x="0" y="0"/>
+          <a:ext cx="0" cy="0"/>
+          <a:chOff x="0" y="0"/>
+          <a:chExt cx="0" cy="0"/>
+        </a:xfrm>
+      </p:grpSpPr>
+      <p:sp>
+        <p:nvSpPr>
+          <p:cNvPr id="2" name="Slide Image Placeholder 1"/>
+          <p:cNvSpPr>
+            <a:spLocks noGrp="1" noRot="1" noChangeAspect="1"/>
+          </p:cNvSpPr>
+          <p:nvPr>
+            <p:ph type="sldImg"/>
+          </p:nvPr>
+        </p:nvSpPr>
+        <p:spPr/>
+      </p:sp>
+      <p:sp>
+        <p:nvSpPr>
+          <p:cNvPr id="3" name="Notes Placeholder 2"/>
+          <p:cNvSpPr>
+            <a:spLocks noGrp="1"/>
+          </p:cNvSpPr>
+          <p:nvPr>
+            <p:ph type="body" idx="1"/>
+          </p:nvPr>
+        </p:nvSpPr>
+        <p:spPr/>
+        <p:txBody>
+          <a:bodyPr/>
+          <a:lstStyle/>
+          <a:p>
+            <a:endParaRPr lang="en-US" dirty="0"/>
+          </a:p>
+        </p:txBody>
+      </p:sp>
+      <p:sp>
+        <p:nvSpPr>
+          <p:cNvPr id="4" name="Slide Number Placeholder 3"/>
+          <p:cNvSpPr>
+            <a:spLocks noGrp="1"/>
+          </p:cNvSpPr>
+          <p:nvPr>
+            <p:ph type="sldNum" sz="quarter" idx="5"/>
+          </p:nvPr>
+        </p:nvSpPr>
+        <p:spPr/>
+        <p:txBody>
+          <a:bodyPr/>
+          <a:lstStyle/>
+          <a:p>
+            <a:fld id="{1FFC93A7-B1F3-454A-A230-F9074DA5B0F9}" type="slidenum">
+              <a:rPr lang="en-US" smtClean="0"/>
+              <a:t>29</a:t>
+            </a:fld>
+            <a:endParaRPr lang="en-US"/>
+          </a:p>
+        </p:txBody>
+      </p:sp>
+    </p:spTree>
+    <p:extLst>
+      <p:ext uri="{BB962C8B-B14F-4D97-AF65-F5344CB8AC3E}">
+        <p14:creationId xmlns:p14="http://schemas.microsoft.com/office/powerpoint/2010/main" val="2240092965"/>
+      </p:ext>
+    </p:extLst>
+  </p:cSld>
+  <p:clrMapOvr>
+    <a:masterClrMapping/>
+  </p:clrMapOvr>
+</p:notes>
+</file>
+
 <file path=ppt/notesSlides/notesSlide2.xml><?xml version="1.0" encoding="utf-8"?>
 <p:notes xmlns:a="http://schemas.openxmlformats.org/drawingml/2006/main" xmlns:r="http://schemas.openxmlformats.org/officeDocument/2006/relationships" xmlns:p="http://schemas.openxmlformats.org/presentationml/2006/main">
   <p:cSld>
@@ -1380,6 +1635,24 @@
           <a:bodyPr/>
           <a:lstStyle/>
           <a:p>
+            <a:r>
+              <a:rPr lang="en-US" dirty="0"/>
+              <a:t>968,9-255,6=713,3</a:t>
+            </a:r>
+          </a:p>
+          <a:p>
+            <a:r>
+              <a:rPr lang="en-US" dirty="0"/>
+              <a:t>5% -&gt; 291,27</a:t>
+            </a:r>
+          </a:p>
+          <a:p>
+            <a:r>
+              <a:rPr lang="en-US" dirty="0"/>
+              <a:t>95% -&gt; 933,24</a:t>
+            </a:r>
+          </a:p>
+          <a:p>
             <a:endParaRPr lang="en-US" dirty="0"/>
           </a:p>
         </p:txBody>
@@ -1464,7 +1737,22 @@
           <a:bodyPr/>
           <a:lstStyle/>
           <a:p>
-            <a:endParaRPr lang="en-US" dirty="0"/>
+            <a:r>
+              <a:rPr lang="en-US" dirty="0"/>
+              <a:t>910,2-32,5=877,7</a:t>
+            </a:r>
+          </a:p>
+          <a:p>
+            <a:r>
+              <a:rPr lang="en-US" dirty="0"/>
+              <a:t>5% -&gt; 76,39</a:t>
+            </a:r>
+          </a:p>
+          <a:p>
+            <a:r>
+              <a:rPr lang="en-US" dirty="0"/>
+              <a:t>95% -&gt; 866,32</a:t>
+            </a:r>
           </a:p>
         </p:txBody>
       </p:sp>
@@ -1651,7 +1939,7 @@
           <a:p>
             <a:fld id="{C0000475-B398-4327-8963-A9A1B862D0B5}" type="datetimeFigureOut">
               <a:rPr lang="en-US" smtClean="0"/>
-              <a:t>6/7/2022</a:t>
+              <a:t>6/8/2022</a:t>
             </a:fld>
             <a:endParaRPr lang="en-US"/>
           </a:p>
@@ -1849,7 +2137,7 @@
           <a:p>
             <a:fld id="{C0000475-B398-4327-8963-A9A1B862D0B5}" type="datetimeFigureOut">
               <a:rPr lang="en-US" smtClean="0"/>
-              <a:t>6/7/2022</a:t>
+              <a:t>6/8/2022</a:t>
             </a:fld>
             <a:endParaRPr lang="en-US"/>
           </a:p>
@@ -2057,7 +2345,7 @@
           <a:p>
             <a:fld id="{C0000475-B398-4327-8963-A9A1B862D0B5}" type="datetimeFigureOut">
               <a:rPr lang="en-US" smtClean="0"/>
-              <a:t>6/7/2022</a:t>
+              <a:t>6/8/2022</a:t>
             </a:fld>
             <a:endParaRPr lang="en-US"/>
           </a:p>
@@ -2255,7 +2543,7 @@
           <a:p>
             <a:fld id="{C0000475-B398-4327-8963-A9A1B862D0B5}" type="datetimeFigureOut">
               <a:rPr lang="en-US" smtClean="0"/>
-              <a:t>6/7/2022</a:t>
+              <a:t>6/8/2022</a:t>
             </a:fld>
             <a:endParaRPr lang="en-US"/>
           </a:p>
@@ -2530,7 +2818,7 @@
           <a:p>
             <a:fld id="{C0000475-B398-4327-8963-A9A1B862D0B5}" type="datetimeFigureOut">
               <a:rPr lang="en-US" smtClean="0"/>
-              <a:t>6/7/2022</a:t>
+              <a:t>6/8/2022</a:t>
             </a:fld>
             <a:endParaRPr lang="en-US"/>
           </a:p>
@@ -2795,7 +3083,7 @@
           <a:p>
             <a:fld id="{C0000475-B398-4327-8963-A9A1B862D0B5}" type="datetimeFigureOut">
               <a:rPr lang="en-US" smtClean="0"/>
-              <a:t>6/7/2022</a:t>
+              <a:t>6/8/2022</a:t>
             </a:fld>
             <a:endParaRPr lang="en-US"/>
           </a:p>
@@ -3207,7 +3495,7 @@
           <a:p>
             <a:fld id="{C0000475-B398-4327-8963-A9A1B862D0B5}" type="datetimeFigureOut">
               <a:rPr lang="en-US" smtClean="0"/>
-              <a:t>6/7/2022</a:t>
+              <a:t>6/8/2022</a:t>
             </a:fld>
             <a:endParaRPr lang="en-US"/>
           </a:p>
@@ -3348,7 +3636,7 @@
           <a:p>
             <a:fld id="{C0000475-B398-4327-8963-A9A1B862D0B5}" type="datetimeFigureOut">
               <a:rPr lang="en-US" smtClean="0"/>
-              <a:t>6/7/2022</a:t>
+              <a:t>6/8/2022</a:t>
             </a:fld>
             <a:endParaRPr lang="en-US"/>
           </a:p>
@@ -3461,7 +3749,7 @@
           <a:p>
             <a:fld id="{C0000475-B398-4327-8963-A9A1B862D0B5}" type="datetimeFigureOut">
               <a:rPr lang="en-US" smtClean="0"/>
-              <a:t>6/7/2022</a:t>
+              <a:t>6/8/2022</a:t>
             </a:fld>
             <a:endParaRPr lang="en-US"/>
           </a:p>
@@ -3772,7 +4060,7 @@
           <a:p>
             <a:fld id="{C0000475-B398-4327-8963-A9A1B862D0B5}" type="datetimeFigureOut">
               <a:rPr lang="en-US" smtClean="0"/>
-              <a:t>6/7/2022</a:t>
+              <a:t>6/8/2022</a:t>
             </a:fld>
             <a:endParaRPr lang="en-US"/>
           </a:p>
@@ -4060,7 +4348,7 @@
           <a:p>
             <a:fld id="{C0000475-B398-4327-8963-A9A1B862D0B5}" type="datetimeFigureOut">
               <a:rPr lang="en-US" smtClean="0"/>
-              <a:t>6/7/2022</a:t>
+              <a:t>6/8/2022</a:t>
             </a:fld>
             <a:endParaRPr lang="en-US"/>
           </a:p>
@@ -4312,7 +4600,7 @@
           <a:p>
             <a:fld id="{C0000475-B398-4327-8963-A9A1B862D0B5}" type="datetimeFigureOut">
               <a:rPr lang="en-US" smtClean="0"/>
-              <a:t>6/7/2022</a:t>
+              <a:t>6/8/2022</a:t>
             </a:fld>
             <a:endParaRPr lang="en-US"/>
           </a:p>
@@ -16991,6 +17279,593 @@
 </p:sld>
 </file>
 
+<file path=ppt/slides/slide27.xml><?xml version="1.0" encoding="utf-8"?>
+<p:sld xmlns:a="http://schemas.openxmlformats.org/drawingml/2006/main" xmlns:r="http://schemas.openxmlformats.org/officeDocument/2006/relationships" xmlns:p="http://schemas.openxmlformats.org/presentationml/2006/main">
+  <p:cSld>
+    <p:spTree>
+      <p:nvGrpSpPr>
+        <p:cNvPr id="1" name=""/>
+        <p:cNvGrpSpPr/>
+        <p:nvPr/>
+      </p:nvGrpSpPr>
+      <p:grpSpPr>
+        <a:xfrm>
+          <a:off x="0" y="0"/>
+          <a:ext cx="0" cy="0"/>
+          <a:chOff x="0" y="0"/>
+          <a:chExt cx="0" cy="0"/>
+        </a:xfrm>
+      </p:grpSpPr>
+      <p:sp>
+        <p:nvSpPr>
+          <p:cNvPr id="8" name="Rectangle 7">
+            <a:extLst>
+              <a:ext uri="{FF2B5EF4-FFF2-40B4-BE49-F238E27FC236}">
+                <a16:creationId xmlns:a16="http://schemas.microsoft.com/office/drawing/2014/main" id="{28AF59DB-4F9D-47B1-A0E4-86FCD58D7CF5}"/>
+              </a:ext>
+            </a:extLst>
+          </p:cNvPr>
+          <p:cNvSpPr/>
+          <p:nvPr/>
+        </p:nvSpPr>
+        <p:spPr>
+          <a:xfrm>
+            <a:off x="0" y="0"/>
+            <a:ext cx="12192000" cy="746449"/>
+          </a:xfrm>
+          <a:prstGeom prst="rect">
+            <a:avLst/>
+          </a:prstGeom>
+          <a:pattFill prst="pct70">
+            <a:fgClr>
+              <a:schemeClr val="accent6">
+                <a:lumMod val="60000"/>
+                <a:lumOff val="40000"/>
+              </a:schemeClr>
+            </a:fgClr>
+            <a:bgClr>
+              <a:schemeClr val="bg1"/>
+            </a:bgClr>
+          </a:pattFill>
+          <a:ln>
+            <a:noFill/>
+          </a:ln>
+        </p:spPr>
+        <p:style>
+          <a:lnRef idx="2">
+            <a:schemeClr val="accent1">
+              <a:shade val="50000"/>
+            </a:schemeClr>
+          </a:lnRef>
+          <a:fillRef idx="1">
+            <a:schemeClr val="accent1"/>
+          </a:fillRef>
+          <a:effectRef idx="0">
+            <a:schemeClr val="accent1"/>
+          </a:effectRef>
+          <a:fontRef idx="minor">
+            <a:schemeClr val="lt1"/>
+          </a:fontRef>
+        </p:style>
+        <p:txBody>
+          <a:bodyPr rtlCol="0" anchor="ctr"/>
+          <a:lstStyle/>
+          <a:p>
+            <a:pPr algn="ctr"/>
+            <a:r>
+              <a:rPr lang="en-US" sz="3200" dirty="0">
+                <a:solidFill>
+                  <a:schemeClr val="tx2"/>
+                </a:solidFill>
+              </a:rPr>
+              <a:t>Amide Williams plots</a:t>
+            </a:r>
+            <a:endParaRPr lang="en-US" sz="3200" i="1" dirty="0">
+              <a:solidFill>
+                <a:schemeClr val="tx2"/>
+              </a:solidFill>
+            </a:endParaRPr>
+          </a:p>
+        </p:txBody>
+      </p:sp>
+      <p:pic>
+        <p:nvPicPr>
+          <p:cNvPr id="4" name="Picture 3">
+            <a:extLst>
+              <a:ext uri="{FF2B5EF4-FFF2-40B4-BE49-F238E27FC236}">
+                <a16:creationId xmlns:a16="http://schemas.microsoft.com/office/drawing/2014/main" id="{124C944A-0E38-46D6-963A-B22D247AFBCB}"/>
+              </a:ext>
+            </a:extLst>
+          </p:cNvPr>
+          <p:cNvPicPr>
+            <a:picLocks noChangeAspect="1"/>
+          </p:cNvPicPr>
+          <p:nvPr/>
+        </p:nvPicPr>
+        <p:blipFill>
+          <a:blip r:embed="rId3">
+            <a:extLst>
+              <a:ext uri="{28A0092B-C50C-407E-A947-70E740481C1C}">
+                <a14:useLocalDpi xmlns:a14="http://schemas.microsoft.com/office/drawing/2010/main" val="0"/>
+              </a:ext>
+            </a:extLst>
+          </a:blip>
+          <a:srcRect/>
+          <a:stretch/>
+        </p:blipFill>
+        <p:spPr>
+          <a:xfrm>
+            <a:off x="254000" y="2004677"/>
+            <a:ext cx="5715000" cy="3810000"/>
+          </a:xfrm>
+          <a:prstGeom prst="rect">
+            <a:avLst/>
+          </a:prstGeom>
+        </p:spPr>
+      </p:pic>
+      <p:pic>
+        <p:nvPicPr>
+          <p:cNvPr id="9" name="Picture 8">
+            <a:extLst>
+              <a:ext uri="{FF2B5EF4-FFF2-40B4-BE49-F238E27FC236}">
+                <a16:creationId xmlns:a16="http://schemas.microsoft.com/office/drawing/2014/main" id="{C68408FD-E86F-4F29-BFCC-824EB9695EC4}"/>
+              </a:ext>
+            </a:extLst>
+          </p:cNvPr>
+          <p:cNvPicPr>
+            <a:picLocks noChangeAspect="1"/>
+          </p:cNvPicPr>
+          <p:nvPr/>
+        </p:nvPicPr>
+        <p:blipFill>
+          <a:blip r:embed="rId4">
+            <a:extLst>
+              <a:ext uri="{28A0092B-C50C-407E-A947-70E740481C1C}">
+                <a14:useLocalDpi xmlns:a14="http://schemas.microsoft.com/office/drawing/2010/main" val="0"/>
+              </a:ext>
+            </a:extLst>
+          </a:blip>
+          <a:srcRect/>
+          <a:stretch/>
+        </p:blipFill>
+        <p:spPr>
+          <a:xfrm>
+            <a:off x="6223002" y="2004677"/>
+            <a:ext cx="5715000" cy="3810000"/>
+          </a:xfrm>
+          <a:prstGeom prst="rect">
+            <a:avLst/>
+          </a:prstGeom>
+        </p:spPr>
+      </p:pic>
+    </p:spTree>
+    <p:extLst>
+      <p:ext uri="{BB962C8B-B14F-4D97-AF65-F5344CB8AC3E}">
+        <p14:creationId xmlns:p14="http://schemas.microsoft.com/office/powerpoint/2010/main" val="988575732"/>
+      </p:ext>
+    </p:extLst>
+  </p:cSld>
+  <p:clrMapOvr>
+    <a:masterClrMapping/>
+  </p:clrMapOvr>
+</p:sld>
+</file>
+
+<file path=ppt/slides/slide28.xml><?xml version="1.0" encoding="utf-8"?>
+<p:sld xmlns:a="http://schemas.openxmlformats.org/drawingml/2006/main" xmlns:r="http://schemas.openxmlformats.org/officeDocument/2006/relationships" xmlns:p="http://schemas.openxmlformats.org/presentationml/2006/main">
+  <p:cSld>
+    <p:spTree>
+      <p:nvGrpSpPr>
+        <p:cNvPr id="1" name=""/>
+        <p:cNvGrpSpPr/>
+        <p:nvPr/>
+      </p:nvGrpSpPr>
+      <p:grpSpPr>
+        <a:xfrm>
+          <a:off x="0" y="0"/>
+          <a:ext cx="0" cy="0"/>
+          <a:chOff x="0" y="0"/>
+          <a:chExt cx="0" cy="0"/>
+        </a:xfrm>
+      </p:grpSpPr>
+      <p:sp>
+        <p:nvSpPr>
+          <p:cNvPr id="8" name="Rectangle 7">
+            <a:extLst>
+              <a:ext uri="{FF2B5EF4-FFF2-40B4-BE49-F238E27FC236}">
+                <a16:creationId xmlns:a16="http://schemas.microsoft.com/office/drawing/2014/main" id="{28AF59DB-4F9D-47B1-A0E4-86FCD58D7CF5}"/>
+              </a:ext>
+            </a:extLst>
+          </p:cNvPr>
+          <p:cNvSpPr/>
+          <p:nvPr/>
+        </p:nvSpPr>
+        <p:spPr>
+          <a:xfrm>
+            <a:off x="0" y="0"/>
+            <a:ext cx="12192000" cy="746449"/>
+          </a:xfrm>
+          <a:prstGeom prst="rect">
+            <a:avLst/>
+          </a:prstGeom>
+          <a:pattFill prst="pct70">
+            <a:fgClr>
+              <a:schemeClr val="accent6">
+                <a:lumMod val="60000"/>
+                <a:lumOff val="40000"/>
+              </a:schemeClr>
+            </a:fgClr>
+            <a:bgClr>
+              <a:schemeClr val="bg1"/>
+            </a:bgClr>
+          </a:pattFill>
+          <a:ln>
+            <a:noFill/>
+          </a:ln>
+        </p:spPr>
+        <p:style>
+          <a:lnRef idx="2">
+            <a:schemeClr val="accent1">
+              <a:shade val="50000"/>
+            </a:schemeClr>
+          </a:lnRef>
+          <a:fillRef idx="1">
+            <a:schemeClr val="accent1"/>
+          </a:fillRef>
+          <a:effectRef idx="0">
+            <a:schemeClr val="accent1"/>
+          </a:effectRef>
+          <a:fontRef idx="minor">
+            <a:schemeClr val="lt1"/>
+          </a:fontRef>
+        </p:style>
+        <p:txBody>
+          <a:bodyPr rtlCol="0" anchor="ctr"/>
+          <a:lstStyle/>
+          <a:p>
+            <a:pPr algn="ctr"/>
+            <a:r>
+              <a:rPr lang="en-US" sz="3200" dirty="0">
+                <a:solidFill>
+                  <a:schemeClr val="tx2"/>
+                </a:solidFill>
+              </a:rPr>
+              <a:t>Greek Williams plots</a:t>
+            </a:r>
+            <a:endParaRPr lang="en-US" sz="3200" i="1" dirty="0">
+              <a:solidFill>
+                <a:schemeClr val="tx2"/>
+              </a:solidFill>
+            </a:endParaRPr>
+          </a:p>
+        </p:txBody>
+      </p:sp>
+      <p:pic>
+        <p:nvPicPr>
+          <p:cNvPr id="4" name="Picture 3">
+            <a:extLst>
+              <a:ext uri="{FF2B5EF4-FFF2-40B4-BE49-F238E27FC236}">
+                <a16:creationId xmlns:a16="http://schemas.microsoft.com/office/drawing/2014/main" id="{124C944A-0E38-46D6-963A-B22D247AFBCB}"/>
+              </a:ext>
+            </a:extLst>
+          </p:cNvPr>
+          <p:cNvPicPr>
+            <a:picLocks noChangeAspect="1"/>
+          </p:cNvPicPr>
+          <p:nvPr/>
+        </p:nvPicPr>
+        <p:blipFill>
+          <a:blip r:embed="rId3">
+            <a:extLst>
+              <a:ext uri="{28A0092B-C50C-407E-A947-70E740481C1C}">
+                <a14:useLocalDpi xmlns:a14="http://schemas.microsoft.com/office/drawing/2010/main" val="0"/>
+              </a:ext>
+            </a:extLst>
+          </a:blip>
+          <a:srcRect/>
+          <a:stretch/>
+        </p:blipFill>
+        <p:spPr>
+          <a:xfrm>
+            <a:off x="254000" y="2004677"/>
+            <a:ext cx="5715000" cy="3810000"/>
+          </a:xfrm>
+          <a:prstGeom prst="rect">
+            <a:avLst/>
+          </a:prstGeom>
+        </p:spPr>
+      </p:pic>
+      <p:pic>
+        <p:nvPicPr>
+          <p:cNvPr id="9" name="Picture 8">
+            <a:extLst>
+              <a:ext uri="{FF2B5EF4-FFF2-40B4-BE49-F238E27FC236}">
+                <a16:creationId xmlns:a16="http://schemas.microsoft.com/office/drawing/2014/main" id="{C68408FD-E86F-4F29-BFCC-824EB9695EC4}"/>
+              </a:ext>
+            </a:extLst>
+          </p:cNvPr>
+          <p:cNvPicPr>
+            <a:picLocks noChangeAspect="1"/>
+          </p:cNvPicPr>
+          <p:nvPr/>
+        </p:nvPicPr>
+        <p:blipFill>
+          <a:blip r:embed="rId4">
+            <a:extLst>
+              <a:ext uri="{28A0092B-C50C-407E-A947-70E740481C1C}">
+                <a14:useLocalDpi xmlns:a14="http://schemas.microsoft.com/office/drawing/2010/main" val="0"/>
+              </a:ext>
+            </a:extLst>
+          </a:blip>
+          <a:srcRect/>
+          <a:stretch/>
+        </p:blipFill>
+        <p:spPr>
+          <a:xfrm>
+            <a:off x="6223002" y="2004677"/>
+            <a:ext cx="5715000" cy="3810000"/>
+          </a:xfrm>
+          <a:prstGeom prst="rect">
+            <a:avLst/>
+          </a:prstGeom>
+        </p:spPr>
+      </p:pic>
+    </p:spTree>
+    <p:extLst>
+      <p:ext uri="{BB962C8B-B14F-4D97-AF65-F5344CB8AC3E}">
+        <p14:creationId xmlns:p14="http://schemas.microsoft.com/office/powerpoint/2010/main" val="689334352"/>
+      </p:ext>
+    </p:extLst>
+  </p:cSld>
+  <p:clrMapOvr>
+    <a:masterClrMapping/>
+  </p:clrMapOvr>
+</p:sld>
+</file>
+
+<file path=ppt/slides/slide29.xml><?xml version="1.0" encoding="utf-8"?>
+<p:sld xmlns:a="http://schemas.openxmlformats.org/drawingml/2006/main" xmlns:r="http://schemas.openxmlformats.org/officeDocument/2006/relationships" xmlns:p="http://schemas.openxmlformats.org/presentationml/2006/main">
+  <p:cSld>
+    <p:spTree>
+      <p:nvGrpSpPr>
+        <p:cNvPr id="1" name=""/>
+        <p:cNvGrpSpPr/>
+        <p:nvPr/>
+      </p:nvGrpSpPr>
+      <p:grpSpPr>
+        <a:xfrm>
+          <a:off x="0" y="0"/>
+          <a:ext cx="0" cy="0"/>
+          <a:chOff x="0" y="0"/>
+          <a:chExt cx="0" cy="0"/>
+        </a:xfrm>
+      </p:grpSpPr>
+      <p:sp>
+        <p:nvSpPr>
+          <p:cNvPr id="8" name="Rectangle 7">
+            <a:extLst>
+              <a:ext uri="{FF2B5EF4-FFF2-40B4-BE49-F238E27FC236}">
+                <a16:creationId xmlns:a16="http://schemas.microsoft.com/office/drawing/2014/main" id="{28AF59DB-4F9D-47B1-A0E4-86FCD58D7CF5}"/>
+              </a:ext>
+            </a:extLst>
+          </p:cNvPr>
+          <p:cNvSpPr/>
+          <p:nvPr/>
+        </p:nvSpPr>
+        <p:spPr>
+          <a:xfrm>
+            <a:off x="0" y="0"/>
+            <a:ext cx="12192000" cy="746449"/>
+          </a:xfrm>
+          <a:prstGeom prst="rect">
+            <a:avLst/>
+          </a:prstGeom>
+          <a:pattFill prst="pct70">
+            <a:fgClr>
+              <a:schemeClr val="accent6">
+                <a:lumMod val="60000"/>
+                <a:lumOff val="40000"/>
+              </a:schemeClr>
+            </a:fgClr>
+            <a:bgClr>
+              <a:schemeClr val="bg1"/>
+            </a:bgClr>
+          </a:pattFill>
+          <a:ln>
+            <a:noFill/>
+          </a:ln>
+        </p:spPr>
+        <p:style>
+          <a:lnRef idx="2">
+            <a:schemeClr val="accent1">
+              <a:shade val="50000"/>
+            </a:schemeClr>
+          </a:lnRef>
+          <a:fillRef idx="1">
+            <a:schemeClr val="accent1"/>
+          </a:fillRef>
+          <a:effectRef idx="0">
+            <a:schemeClr val="accent1"/>
+          </a:effectRef>
+          <a:fontRef idx="minor">
+            <a:schemeClr val="lt1"/>
+          </a:fontRef>
+        </p:style>
+        <p:txBody>
+          <a:bodyPr rtlCol="0" anchor="ctr"/>
+          <a:lstStyle/>
+          <a:p>
+            <a:pPr algn="ctr"/>
+            <a:r>
+              <a:rPr lang="en-US" sz="3200" dirty="0">
+                <a:solidFill>
+                  <a:schemeClr val="tx2"/>
+                </a:solidFill>
+              </a:rPr>
+              <a:t>PCA</a:t>
+            </a:r>
+            <a:endParaRPr lang="en-US" sz="3200" i="1" dirty="0">
+              <a:solidFill>
+                <a:schemeClr val="tx2"/>
+              </a:solidFill>
+            </a:endParaRPr>
+          </a:p>
+        </p:txBody>
+      </p:sp>
+      <p:pic>
+        <p:nvPicPr>
+          <p:cNvPr id="4" name="Picture 3">
+            <a:extLst>
+              <a:ext uri="{FF2B5EF4-FFF2-40B4-BE49-F238E27FC236}">
+                <a16:creationId xmlns:a16="http://schemas.microsoft.com/office/drawing/2014/main" id="{124C944A-0E38-46D6-963A-B22D247AFBCB}"/>
+              </a:ext>
+            </a:extLst>
+          </p:cNvPr>
+          <p:cNvPicPr>
+            <a:picLocks noChangeAspect="1"/>
+          </p:cNvPicPr>
+          <p:nvPr/>
+        </p:nvPicPr>
+        <p:blipFill>
+          <a:blip r:embed="rId3">
+            <a:extLst>
+              <a:ext uri="{28A0092B-C50C-407E-A947-70E740481C1C}">
+                <a14:useLocalDpi xmlns:a14="http://schemas.microsoft.com/office/drawing/2010/main" val="0"/>
+              </a:ext>
+            </a:extLst>
+          </a:blip>
+          <a:srcRect/>
+          <a:stretch/>
+        </p:blipFill>
+        <p:spPr>
+          <a:xfrm>
+            <a:off x="254000" y="2004677"/>
+            <a:ext cx="5715000" cy="3810000"/>
+          </a:xfrm>
+          <a:prstGeom prst="rect">
+            <a:avLst/>
+          </a:prstGeom>
+        </p:spPr>
+      </p:pic>
+      <p:pic>
+        <p:nvPicPr>
+          <p:cNvPr id="9" name="Picture 8">
+            <a:extLst>
+              <a:ext uri="{FF2B5EF4-FFF2-40B4-BE49-F238E27FC236}">
+                <a16:creationId xmlns:a16="http://schemas.microsoft.com/office/drawing/2014/main" id="{C68408FD-E86F-4F29-BFCC-824EB9695EC4}"/>
+              </a:ext>
+            </a:extLst>
+          </p:cNvPr>
+          <p:cNvPicPr>
+            <a:picLocks noChangeAspect="1"/>
+          </p:cNvPicPr>
+          <p:nvPr/>
+        </p:nvPicPr>
+        <p:blipFill>
+          <a:blip r:embed="rId4">
+            <a:extLst>
+              <a:ext uri="{28A0092B-C50C-407E-A947-70E740481C1C}">
+                <a14:useLocalDpi xmlns:a14="http://schemas.microsoft.com/office/drawing/2010/main" val="0"/>
+              </a:ext>
+            </a:extLst>
+          </a:blip>
+          <a:srcRect/>
+          <a:stretch/>
+        </p:blipFill>
+        <p:spPr>
+          <a:xfrm>
+            <a:off x="6223002" y="2004677"/>
+            <a:ext cx="5715000" cy="3810000"/>
+          </a:xfrm>
+          <a:prstGeom prst="rect">
+            <a:avLst/>
+          </a:prstGeom>
+        </p:spPr>
+      </p:pic>
+      <p:sp>
+        <p:nvSpPr>
+          <p:cNvPr id="5" name="TextBox 4">
+            <a:extLst>
+              <a:ext uri="{FF2B5EF4-FFF2-40B4-BE49-F238E27FC236}">
+                <a16:creationId xmlns:a16="http://schemas.microsoft.com/office/drawing/2014/main" id="{F7B8AE6A-AFDF-4888-9693-7E770C379AC0}"/>
+              </a:ext>
+            </a:extLst>
+          </p:cNvPr>
+          <p:cNvSpPr txBox="1"/>
+          <p:nvPr/>
+        </p:nvSpPr>
+        <p:spPr>
+          <a:xfrm>
+            <a:off x="2545300" y="1113953"/>
+            <a:ext cx="1128835" cy="523220"/>
+          </a:xfrm>
+          <a:prstGeom prst="rect">
+            <a:avLst/>
+          </a:prstGeom>
+          <a:noFill/>
+        </p:spPr>
+        <p:txBody>
+          <a:bodyPr wrap="none" rtlCol="0">
+            <a:spAutoFit/>
+          </a:bodyPr>
+          <a:lstStyle/>
+          <a:p>
+            <a:pPr algn="ctr"/>
+            <a:r>
+              <a:rPr lang="en-US" sz="2800" dirty="0"/>
+              <a:t>Amide</a:t>
+            </a:r>
+          </a:p>
+        </p:txBody>
+      </p:sp>
+      <p:sp>
+        <p:nvSpPr>
+          <p:cNvPr id="6" name="TextBox 5">
+            <a:extLst>
+              <a:ext uri="{FF2B5EF4-FFF2-40B4-BE49-F238E27FC236}">
+                <a16:creationId xmlns:a16="http://schemas.microsoft.com/office/drawing/2014/main" id="{7CADFD3A-0351-42F2-B5BA-5538E511AE64}"/>
+              </a:ext>
+            </a:extLst>
+          </p:cNvPr>
+          <p:cNvSpPr txBox="1"/>
+          <p:nvPr/>
+        </p:nvSpPr>
+        <p:spPr>
+          <a:xfrm>
+            <a:off x="8555326" y="1113953"/>
+            <a:ext cx="1050352" cy="523220"/>
+          </a:xfrm>
+          <a:prstGeom prst="rect">
+            <a:avLst/>
+          </a:prstGeom>
+          <a:noFill/>
+        </p:spPr>
+        <p:txBody>
+          <a:bodyPr wrap="none" rtlCol="0">
+            <a:spAutoFit/>
+          </a:bodyPr>
+          <a:lstStyle/>
+          <a:p>
+            <a:r>
+              <a:rPr lang="en-US" sz="2800" dirty="0"/>
+              <a:t>Greek</a:t>
+            </a:r>
+          </a:p>
+        </p:txBody>
+      </p:sp>
+    </p:spTree>
+    <p:extLst>
+      <p:ext uri="{BB962C8B-B14F-4D97-AF65-F5344CB8AC3E}">
+        <p14:creationId xmlns:p14="http://schemas.microsoft.com/office/powerpoint/2010/main" val="2236288247"/>
+      </p:ext>
+    </p:extLst>
+  </p:cSld>
+  <p:clrMapOvr>
+    <a:masterClrMapping/>
+  </p:clrMapOvr>
+</p:sld>
+</file>
+
 <file path=ppt/slides/slide3.xml><?xml version="1.0" encoding="utf-8"?>
 <p:sld xmlns:a="http://schemas.openxmlformats.org/drawingml/2006/main" xmlns:r="http://schemas.openxmlformats.org/officeDocument/2006/relationships" xmlns:p="http://schemas.openxmlformats.org/presentationml/2006/main">
   <p:cSld>
